--- a/InfoSec/PPTs/bak 2019/CH10-Buffer Overflow.pptx
+++ b/InfoSec/PPTs/bak 2019/CH10-Buffer Overflow.pptx
@@ -5,37 +5,38 @@
     <p:sldMasterId id="2147483674" r:id="rId1"/>
   </p:sldMasterIdLst>
   <p:notesMasterIdLst>
-    <p:notesMasterId r:id="rId30"/>
+    <p:notesMasterId r:id="rId31"/>
   </p:notesMasterIdLst>
   <p:sldIdLst>
     <p:sldId id="412" r:id="rId2"/>
-    <p:sldId id="359" r:id="rId3"/>
-    <p:sldId id="401" r:id="rId4"/>
-    <p:sldId id="364" r:id="rId5"/>
-    <p:sldId id="366" r:id="rId6"/>
-    <p:sldId id="407" r:id="rId7"/>
-    <p:sldId id="414" r:id="rId8"/>
-    <p:sldId id="415" r:id="rId9"/>
-    <p:sldId id="431" r:id="rId10"/>
-    <p:sldId id="406" r:id="rId11"/>
-    <p:sldId id="402" r:id="rId12"/>
-    <p:sldId id="374" r:id="rId13"/>
-    <p:sldId id="378" r:id="rId14"/>
-    <p:sldId id="379" r:id="rId15"/>
-    <p:sldId id="367" r:id="rId16"/>
-    <p:sldId id="381" r:id="rId17"/>
-    <p:sldId id="382" r:id="rId18"/>
-    <p:sldId id="383" r:id="rId19"/>
-    <p:sldId id="408" r:id="rId20"/>
-    <p:sldId id="409" r:id="rId21"/>
-    <p:sldId id="386" r:id="rId22"/>
-    <p:sldId id="390" r:id="rId23"/>
-    <p:sldId id="392" r:id="rId24"/>
-    <p:sldId id="416" r:id="rId25"/>
-    <p:sldId id="413" r:id="rId26"/>
-    <p:sldId id="434" r:id="rId27"/>
-    <p:sldId id="435" r:id="rId28"/>
-    <p:sldId id="436" r:id="rId29"/>
+    <p:sldId id="437" r:id="rId3"/>
+    <p:sldId id="359" r:id="rId4"/>
+    <p:sldId id="401" r:id="rId5"/>
+    <p:sldId id="364" r:id="rId6"/>
+    <p:sldId id="366" r:id="rId7"/>
+    <p:sldId id="407" r:id="rId8"/>
+    <p:sldId id="414" r:id="rId9"/>
+    <p:sldId id="415" r:id="rId10"/>
+    <p:sldId id="431" r:id="rId11"/>
+    <p:sldId id="406" r:id="rId12"/>
+    <p:sldId id="402" r:id="rId13"/>
+    <p:sldId id="374" r:id="rId14"/>
+    <p:sldId id="378" r:id="rId15"/>
+    <p:sldId id="379" r:id="rId16"/>
+    <p:sldId id="367" r:id="rId17"/>
+    <p:sldId id="381" r:id="rId18"/>
+    <p:sldId id="382" r:id="rId19"/>
+    <p:sldId id="383" r:id="rId20"/>
+    <p:sldId id="408" r:id="rId21"/>
+    <p:sldId id="409" r:id="rId22"/>
+    <p:sldId id="386" r:id="rId23"/>
+    <p:sldId id="390" r:id="rId24"/>
+    <p:sldId id="392" r:id="rId25"/>
+    <p:sldId id="416" r:id="rId26"/>
+    <p:sldId id="413" r:id="rId27"/>
+    <p:sldId id="434" r:id="rId28"/>
+    <p:sldId id="435" r:id="rId29"/>
+    <p:sldId id="436" r:id="rId30"/>
   </p:sldIdLst>
   <p:sldSz cx="9144000" cy="6858000" type="screen4x3"/>
   <p:notesSz cx="6858000" cy="9144000"/>
@@ -14918,7 +14919,7 @@
             <a:fld id="{6D29285A-539F-114E-A5C5-28FE0B195C8B}" type="slidenum">
               <a:rPr lang="en-AU"/>
               <a:pPr/>
-              <a:t>12</a:t>
+              <a:t>13</a:t>
             </a:fld>
             <a:endParaRPr lang="en-AU"/>
           </a:p>
@@ -15462,7 +15463,7 @@
             <a:fld id="{3CAE0A37-7DB2-DE49-9353-066250C30972}" type="slidenum">
               <a:rPr lang="en-AU"/>
               <a:pPr/>
-              <a:t>13</a:t>
+              <a:t>14</a:t>
             </a:fld>
             <a:endParaRPr lang="en-AU"/>
           </a:p>
@@ -16383,7 +16384,7 @@
             <a:fld id="{55EDB2F7-0D7F-D14C-9D0A-BD8807884EB9}" type="slidenum">
               <a:rPr lang="en-AU"/>
               <a:pPr/>
-              <a:t>14</a:t>
+              <a:t>15</a:t>
             </a:fld>
             <a:endParaRPr lang="en-AU"/>
           </a:p>
@@ -16772,7 +16773,7 @@
             <a:fld id="{576BA0B2-5A5E-544B-9468-96836C541B0C}" type="slidenum">
               <a:rPr lang="en-AU"/>
               <a:pPr/>
-              <a:t>15</a:t>
+              <a:t>16</a:t>
             </a:fld>
             <a:endParaRPr lang="en-AU"/>
           </a:p>
@@ -17531,7 +17532,7 @@
             <a:fld id="{4855D425-5E7C-3F47-BBD4-2FC22DB881FE}" type="slidenum">
               <a:rPr lang="en-AU"/>
               <a:pPr/>
-              <a:t>16</a:t>
+              <a:t>17</a:t>
             </a:fld>
             <a:endParaRPr lang="en-AU"/>
           </a:p>
@@ -18102,7 +18103,7 @@
             <a:fld id="{D4520F06-D840-7F4C-AE18-295CF857179A}" type="slidenum">
               <a:rPr lang="en-AU"/>
               <a:pPr/>
-              <a:t>17</a:t>
+              <a:t>18</a:t>
             </a:fld>
             <a:endParaRPr lang="en-AU"/>
           </a:p>
@@ -18710,7 +18711,7 @@
             <a:fld id="{CAA5F86D-9406-154D-A1CC-E9A4EB2C4BAD}" type="slidenum">
               <a:rPr lang="en-AU"/>
               <a:pPr/>
-              <a:t>18</a:t>
+              <a:t>19</a:t>
             </a:fld>
             <a:endParaRPr lang="en-AU"/>
           </a:p>
@@ -19405,7 +19406,7 @@
             <a:fld id="{E4A487CF-0FD0-2440-A35B-E9ED04C4D0E0}" type="slidenum">
               <a:rPr lang="en-AU"/>
               <a:pPr/>
-              <a:t>19</a:t>
+              <a:t>20</a:t>
             </a:fld>
             <a:endParaRPr lang="en-AU"/>
           </a:p>
@@ -20032,7 +20033,7 @@
             <a:fld id="{7FF1951D-C0BC-F849-A16A-A55E127DF1F0}" type="slidenum">
               <a:rPr lang="en-AU"/>
               <a:pPr/>
-              <a:t>20</a:t>
+              <a:t>21</a:t>
             </a:fld>
             <a:endParaRPr lang="en-AU"/>
           </a:p>
@@ -20697,7 +20698,7 @@
             <a:fld id="{0B1EB765-203E-4D4E-B1AC-1D7F98B5943F}" type="slidenum">
               <a:rPr lang="en-AU"/>
               <a:pPr/>
-              <a:t>21</a:t>
+              <a:t>22</a:t>
             </a:fld>
             <a:endParaRPr lang="en-AU"/>
           </a:p>
@@ -21029,7 +21030,7 @@
             <a:fld id="{08C2A999-AC46-FC4C-9789-057F9C4D83D7}" type="slidenum">
               <a:rPr lang="en-AU"/>
               <a:pPr/>
-              <a:t>2</a:t>
+              <a:t>3</a:t>
             </a:fld>
             <a:endParaRPr lang="en-AU"/>
           </a:p>
@@ -21394,7 +21395,7 @@
             <a:fld id="{B88D4C3A-9F86-AF4A-B6DF-2F6D8A073576}" type="slidenum">
               <a:rPr lang="en-AU"/>
               <a:pPr/>
-              <a:t>22</a:t>
+              <a:t>23</a:t>
             </a:fld>
             <a:endParaRPr lang="en-AU"/>
           </a:p>
@@ -21739,7 +21740,7 @@
             <a:fld id="{352AC19F-B027-004B-B2C5-DEDE9E41592E}" type="slidenum">
               <a:rPr lang="en-AU"/>
               <a:pPr/>
-              <a:t>23</a:t>
+              <a:t>24</a:t>
             </a:fld>
             <a:endParaRPr lang="en-AU"/>
           </a:p>
@@ -21959,7 +21960,7 @@
                 </a:solidFill>
               </a:rPr>
               <a:pPr/>
-              <a:t>25</a:t>
+              <a:t>26</a:t>
             </a:fld>
             <a:endParaRPr lang="en-AU" dirty="0">
               <a:solidFill>
@@ -22108,7 +22109,7 @@
             <a:fld id="{F8560DBF-F109-8946-ADF0-EE66B221E988}" type="slidenum">
               <a:rPr lang="en-AU" smtClean="0"/>
               <a:pPr/>
-              <a:t>26</a:t>
+              <a:t>27</a:t>
             </a:fld>
             <a:endParaRPr lang="en-AU" dirty="0"/>
           </a:p>
@@ -22292,7 +22293,7 @@
             <a:fld id="{B0152C7E-10D1-F144-9A4D-C61469F04A52}" type="slidenum">
               <a:rPr lang="en-AU" smtClean="0"/>
               <a:pPr/>
-              <a:t>3</a:t>
+              <a:t>4</a:t>
             </a:fld>
             <a:endParaRPr lang="en-AU"/>
           </a:p>
@@ -22348,7 +22349,7 @@
             <a:fld id="{74BFFE69-4556-464D-8422-E002A492CDC0}" type="slidenum">
               <a:rPr lang="en-AU"/>
               <a:pPr/>
-              <a:t>4</a:t>
+              <a:t>5</a:t>
             </a:fld>
             <a:endParaRPr lang="en-AU"/>
           </a:p>
@@ -22578,7 +22579,7 @@
             <a:fld id="{A188A58A-2B5B-BC41-9105-AEFAD7F28AC4}" type="slidenum">
               <a:rPr lang="en-AU"/>
               <a:pPr/>
-              <a:t>5</a:t>
+              <a:t>6</a:t>
             </a:fld>
             <a:endParaRPr lang="en-AU"/>
           </a:p>
@@ -22888,7 +22889,7 @@
             <a:fld id="{F8A848DE-2947-634B-AF46-5D76327CB10E}" type="slidenum">
               <a:rPr lang="en-AU"/>
               <a:pPr/>
-              <a:t>6</a:t>
+              <a:t>7</a:t>
             </a:fld>
             <a:endParaRPr lang="en-AU"/>
           </a:p>
@@ -23385,7 +23386,7 @@
             <a:fld id="{B0152C7E-10D1-F144-9A4D-C61469F04A52}" type="slidenum">
               <a:rPr lang="en-AU" smtClean="0"/>
               <a:pPr/>
-              <a:t>8</a:t>
+              <a:t>9</a:t>
             </a:fld>
             <a:endParaRPr lang="en-AU"/>
           </a:p>
@@ -23902,7 +23903,7 @@
             <a:fld id="{B0152C7E-10D1-F144-9A4D-C61469F04A52}" type="slidenum">
               <a:rPr lang="en-AU" smtClean="0"/>
               <a:pPr/>
-              <a:t>10</a:t>
+              <a:t>11</a:t>
             </a:fld>
             <a:endParaRPr lang="en-AU"/>
           </a:p>
@@ -24116,7 +24117,7 @@
             <a:fld id="{B0152C7E-10D1-F144-9A4D-C61469F04A52}" type="slidenum">
               <a:rPr lang="en-AU" smtClean="0"/>
               <a:pPr/>
-              <a:t>11</a:t>
+              <a:t>12</a:t>
             </a:fld>
             <a:endParaRPr lang="en-AU"/>
           </a:p>
@@ -28162,6 +28163,1391 @@
           <a:chExt cx="0" cy="0"/>
         </a:xfrm>
       </p:grpSpPr>
+      <p:sp>
+        <p:nvSpPr>
+          <p:cNvPr id="2" name="标题 1">
+            <a:extLst>
+              <a:ext uri="{FF2B5EF4-FFF2-40B4-BE49-F238E27FC236}">
+                <a16:creationId xmlns:a16="http://schemas.microsoft.com/office/drawing/2014/main" id="{1840D389-9D00-416A-9A7B-5681C43EAE07}"/>
+              </a:ext>
+            </a:extLst>
+          </p:cNvPr>
+          <p:cNvSpPr>
+            <a:spLocks noGrp="1"/>
+          </p:cNvSpPr>
+          <p:nvPr>
+            <p:ph type="title"/>
+          </p:nvPr>
+        </p:nvSpPr>
+        <p:spPr>
+          <a:xfrm>
+            <a:off x="-468560" y="-441761"/>
+            <a:ext cx="7067128" cy="1243568"/>
+          </a:xfrm>
+        </p:spPr>
+        <p:txBody>
+          <a:bodyPr/>
+          <a:lstStyle/>
+          <a:p>
+            <a:r>
+              <a:rPr lang="en-US" altLang="zh-CN" sz="4000" dirty="0"/>
+              <a:t>An Example</a:t>
+            </a:r>
+            <a:endParaRPr lang="zh-CN" altLang="en-US" sz="4000" dirty="0"/>
+          </a:p>
+        </p:txBody>
+      </p:sp>
+      <p:sp>
+        <p:nvSpPr>
+          <p:cNvPr id="3" name="内容占位符 2">
+            <a:extLst>
+              <a:ext uri="{FF2B5EF4-FFF2-40B4-BE49-F238E27FC236}">
+                <a16:creationId xmlns:a16="http://schemas.microsoft.com/office/drawing/2014/main" id="{F147DF4B-5045-4509-839C-072284E296EA}"/>
+              </a:ext>
+            </a:extLst>
+          </p:cNvPr>
+          <p:cNvSpPr>
+            <a:spLocks noGrp="1"/>
+          </p:cNvSpPr>
+          <p:nvPr>
+            <p:ph idx="1"/>
+          </p:nvPr>
+        </p:nvSpPr>
+        <p:spPr>
+          <a:xfrm>
+            <a:off x="381962" y="1132174"/>
+            <a:ext cx="5050695" cy="4525963"/>
+          </a:xfrm>
+        </p:spPr>
+        <p:txBody>
+          <a:bodyPr>
+            <a:normAutofit fontScale="92500" lnSpcReduction="20000"/>
+          </a:bodyPr>
+          <a:lstStyle/>
+          <a:p>
+            <a:pPr marL="0" indent="0">
+              <a:buNone/>
+            </a:pPr>
+            <a:r>
+              <a:rPr lang="en-US" altLang="zh-CN" dirty="0"/>
+              <a:t>int main(int argc, char *</a:t>
+            </a:r>
+            <a:r>
+              <a:rPr lang="en-US" altLang="zh-CN" dirty="0" err="1"/>
+              <a:t>argv</a:t>
+            </a:r>
+            <a:r>
+              <a:rPr lang="en-US" altLang="zh-CN" dirty="0"/>
+              <a:t>[]) {</a:t>
+            </a:r>
+          </a:p>
+          <a:p>
+            <a:pPr marL="0" indent="0">
+              <a:buNone/>
+            </a:pPr>
+            <a:r>
+              <a:rPr lang="en-US" altLang="zh-CN" dirty="0"/>
+              <a:t>  int </a:t>
+            </a:r>
+            <a:r>
+              <a:rPr lang="en-US" altLang="zh-CN" dirty="0" err="1"/>
+              <a:t>allow_login</a:t>
+            </a:r>
+            <a:r>
+              <a:rPr lang="en-US" altLang="zh-CN" dirty="0"/>
+              <a:t> = 0;</a:t>
+            </a:r>
+          </a:p>
+          <a:p>
+            <a:pPr marL="0" indent="0">
+              <a:buNone/>
+            </a:pPr>
+            <a:r>
+              <a:rPr lang="en-US" altLang="zh-CN" dirty="0"/>
+              <a:t>  char </a:t>
+            </a:r>
+            <a:r>
+              <a:rPr lang="en-US" altLang="zh-CN" dirty="0" err="1"/>
+              <a:t>pwdstr</a:t>
+            </a:r>
+            <a:r>
+              <a:rPr lang="en-US" altLang="zh-CN" dirty="0"/>
+              <a:t>[12];</a:t>
+            </a:r>
+          </a:p>
+          <a:p>
+            <a:pPr marL="0" indent="0">
+              <a:buNone/>
+            </a:pPr>
+            <a:r>
+              <a:rPr lang="en-US" altLang="zh-CN" dirty="0"/>
+              <a:t>  char </a:t>
+            </a:r>
+            <a:r>
+              <a:rPr lang="en-US" altLang="zh-CN" dirty="0" err="1"/>
+              <a:t>targetpwd</a:t>
+            </a:r>
+            <a:r>
+              <a:rPr lang="en-US" altLang="zh-CN" dirty="0"/>
+              <a:t>[12]=“MyPwd123”;</a:t>
+            </a:r>
+          </a:p>
+          <a:p>
+            <a:pPr marL="0" indent="0">
+              <a:buNone/>
+            </a:pPr>
+            <a:r>
+              <a:rPr lang="en-US" altLang="zh-CN" dirty="0"/>
+              <a:t>  gets(</a:t>
+            </a:r>
+            <a:r>
+              <a:rPr lang="en-US" altLang="zh-CN" dirty="0" err="1"/>
+              <a:t>pwdstr</a:t>
+            </a:r>
+            <a:r>
+              <a:rPr lang="en-US" altLang="zh-CN" dirty="0"/>
+              <a:t>);</a:t>
+            </a:r>
+            <a:r>
+              <a:rPr lang="en-US" altLang="zh-CN" b="1" dirty="0"/>
+              <a:t>//No bounds check!</a:t>
+            </a:r>
+            <a:r>
+              <a:rPr lang="en-US" altLang="zh-CN" dirty="0"/>
+              <a:t> </a:t>
+            </a:r>
+          </a:p>
+          <a:p>
+            <a:pPr marL="0" indent="0">
+              <a:buNone/>
+            </a:pPr>
+            <a:r>
+              <a:rPr lang="en-US" altLang="zh-CN" dirty="0"/>
+              <a:t>  if(</a:t>
+            </a:r>
+            <a:r>
+              <a:rPr lang="en-US" altLang="zh-CN" dirty="0" err="1"/>
+              <a:t>strncmp</a:t>
+            </a:r>
+            <a:r>
+              <a:rPr lang="en-US" altLang="zh-CN" dirty="0"/>
+              <a:t>(</a:t>
+            </a:r>
+            <a:r>
+              <a:rPr lang="en-US" altLang="zh-CN" dirty="0" err="1"/>
+              <a:t>pwdstr</a:t>
+            </a:r>
+            <a:r>
+              <a:rPr lang="en-US" altLang="zh-CN" dirty="0"/>
+              <a:t>, </a:t>
+            </a:r>
+            <a:r>
+              <a:rPr lang="en-US" altLang="zh-CN" dirty="0" err="1"/>
+              <a:t>targetpwd</a:t>
+            </a:r>
+            <a:r>
+              <a:rPr lang="en-US" altLang="zh-CN" dirty="0"/>
+              <a:t>, 12) ==0)</a:t>
+            </a:r>
+          </a:p>
+          <a:p>
+            <a:pPr marL="0" indent="0">
+              <a:buNone/>
+            </a:pPr>
+            <a:r>
+              <a:rPr lang="en-US" altLang="zh-CN" dirty="0"/>
+              <a:t>    </a:t>
+            </a:r>
+            <a:r>
+              <a:rPr lang="en-US" altLang="zh-CN" dirty="0" err="1"/>
+              <a:t>allow_login</a:t>
+            </a:r>
+            <a:r>
+              <a:rPr lang="en-US" altLang="zh-CN" dirty="0"/>
+              <a:t> = 1;</a:t>
+            </a:r>
+          </a:p>
+          <a:p>
+            <a:pPr marL="0" indent="0">
+              <a:buNone/>
+            </a:pPr>
+            <a:r>
+              <a:rPr lang="en-US" altLang="zh-CN" dirty="0"/>
+              <a:t>  if (</a:t>
+            </a:r>
+            <a:r>
+              <a:rPr lang="en-US" altLang="zh-CN" dirty="0" err="1"/>
+              <a:t>allow_login</a:t>
+            </a:r>
+            <a:r>
+              <a:rPr lang="en-US" altLang="zh-CN" dirty="0"/>
+              <a:t> = 0)</a:t>
+            </a:r>
+          </a:p>
+          <a:p>
+            <a:pPr marL="0" indent="0">
+              <a:buNone/>
+            </a:pPr>
+            <a:r>
+              <a:rPr lang="en-US" altLang="zh-CN" dirty="0"/>
+              <a:t>    </a:t>
+            </a:r>
+            <a:r>
+              <a:rPr lang="en-US" altLang="zh-CN" dirty="0" err="1"/>
+              <a:t>printf</a:t>
+            </a:r>
+            <a:r>
+              <a:rPr lang="en-US" altLang="zh-CN" dirty="0"/>
+              <a:t>(“Login request rejected”);</a:t>
+            </a:r>
+          </a:p>
+          <a:p>
+            <a:pPr marL="0" indent="0">
+              <a:buNone/>
+            </a:pPr>
+            <a:r>
+              <a:rPr lang="en-US" altLang="zh-CN" dirty="0"/>
+              <a:t>  else</a:t>
+            </a:r>
+          </a:p>
+          <a:p>
+            <a:pPr marL="0" indent="0">
+              <a:buNone/>
+            </a:pPr>
+            <a:r>
+              <a:rPr lang="en-US" altLang="zh-CN" dirty="0"/>
+              <a:t>    </a:t>
+            </a:r>
+            <a:r>
+              <a:rPr lang="en-US" altLang="zh-CN" dirty="0" err="1"/>
+              <a:t>printf</a:t>
+            </a:r>
+            <a:r>
+              <a:rPr lang="en-US" altLang="zh-CN" dirty="0"/>
+              <a:t>(“Login request allowed”);</a:t>
+            </a:r>
+          </a:p>
+          <a:p>
+            <a:pPr marL="0" indent="0">
+              <a:buNone/>
+            </a:pPr>
+            <a:r>
+              <a:rPr lang="en-US" altLang="zh-CN" dirty="0"/>
+              <a:t>}</a:t>
+            </a:r>
+            <a:endParaRPr lang="zh-CN" altLang="en-US" dirty="0"/>
+          </a:p>
+        </p:txBody>
+      </p:sp>
+      <p:sp>
+        <p:nvSpPr>
+          <p:cNvPr id="4" name="灯片编号占位符 3">
+            <a:extLst>
+              <a:ext uri="{FF2B5EF4-FFF2-40B4-BE49-F238E27FC236}">
+                <a16:creationId xmlns:a16="http://schemas.microsoft.com/office/drawing/2014/main" id="{047EE5BE-D666-4199-B1B0-5BC41F45EDD9}"/>
+              </a:ext>
+            </a:extLst>
+          </p:cNvPr>
+          <p:cNvSpPr>
+            <a:spLocks noGrp="1"/>
+          </p:cNvSpPr>
+          <p:nvPr>
+            <p:ph type="sldNum" sz="quarter" idx="12"/>
+          </p:nvPr>
+        </p:nvSpPr>
+        <p:spPr/>
+        <p:txBody>
+          <a:bodyPr/>
+          <a:lstStyle/>
+          <a:p>
+            <a:fld id="{5F36C9FC-DA22-1F47-8722-58727A1D436E}" type="slidenum">
+              <a:rPr lang="en-US" smtClean="0">
+                <a:solidFill>
+                  <a:prstClr val="white">
+                    <a:lumMod val="65000"/>
+                    <a:lumOff val="35000"/>
+                  </a:prstClr>
+                </a:solidFill>
+              </a:rPr>
+              <a:pPr/>
+              <a:t>10</a:t>
+            </a:fld>
+            <a:endParaRPr lang="en-US" dirty="0">
+              <a:solidFill>
+                <a:prstClr val="white">
+                  <a:lumMod val="65000"/>
+                  <a:lumOff val="35000"/>
+                </a:prstClr>
+              </a:solidFill>
+            </a:endParaRPr>
+          </a:p>
+        </p:txBody>
+      </p:sp>
+      <p:graphicFrame>
+        <p:nvGraphicFramePr>
+          <p:cNvPr id="5" name="表格 4">
+            <a:extLst>
+              <a:ext uri="{FF2B5EF4-FFF2-40B4-BE49-F238E27FC236}">
+                <a16:creationId xmlns:a16="http://schemas.microsoft.com/office/drawing/2014/main" id="{BF4579F8-2BE2-4B5C-9D64-C298E472396B}"/>
+              </a:ext>
+            </a:extLst>
+          </p:cNvPr>
+          <p:cNvGraphicFramePr>
+            <a:graphicFrameLocks noGrp="1"/>
+          </p:cNvGraphicFramePr>
+          <p:nvPr>
+            <p:extLst>
+              <p:ext uri="{D42A27DB-BD31-4B8C-83A1-F6EECF244321}">
+                <p14:modId xmlns:p14="http://schemas.microsoft.com/office/powerpoint/2010/main" val="1383287525"/>
+              </p:ext>
+            </p:extLst>
+          </p:nvPr>
+        </p:nvGraphicFramePr>
+        <p:xfrm>
+          <a:off x="6313268" y="1330864"/>
+          <a:ext cx="1512168" cy="3708400"/>
+        </p:xfrm>
+        <a:graphic>
+          <a:graphicData uri="http://schemas.openxmlformats.org/drawingml/2006/table">
+            <a:tbl>
+              <a:tblPr firstRow="1" bandRow="1">
+                <a:tableStyleId>{5940675A-B579-460E-94D1-54222C63F5DA}</a:tableStyleId>
+              </a:tblPr>
+              <a:tblGrid>
+                <a:gridCol w="1512168">
+                  <a:extLst>
+                    <a:ext uri="{9D8B030D-6E8A-4147-A177-3AD203B41FA5}">
+                      <a16:colId xmlns:a16="http://schemas.microsoft.com/office/drawing/2014/main" val="3205406346"/>
+                    </a:ext>
+                  </a:extLst>
+                </a:gridCol>
+              </a:tblGrid>
+              <a:tr h="370840">
+                <a:tc>
+                  <a:txBody>
+                    <a:bodyPr/>
+                    <a:lstStyle/>
+                    <a:p>
+                      <a:endParaRPr lang="zh-CN" altLang="en-US" b="0" dirty="0"/>
+                    </a:p>
+                  </a:txBody>
+                  <a:tcPr/>
+                </a:tc>
+                <a:extLst>
+                  <a:ext uri="{0D108BD9-81ED-4DB2-BD59-A6C34878D82A}">
+                    <a16:rowId xmlns:a16="http://schemas.microsoft.com/office/drawing/2014/main" val="4103921419"/>
+                  </a:ext>
+                </a:extLst>
+              </a:tr>
+              <a:tr h="370840">
+                <a:tc>
+                  <a:txBody>
+                    <a:bodyPr/>
+                    <a:lstStyle/>
+                    <a:p>
+                      <a:endParaRPr lang="zh-CN" altLang="en-US" b="0" dirty="0"/>
+                    </a:p>
+                  </a:txBody>
+                  <a:tcPr/>
+                </a:tc>
+                <a:extLst>
+                  <a:ext uri="{0D108BD9-81ED-4DB2-BD59-A6C34878D82A}">
+                    <a16:rowId xmlns:a16="http://schemas.microsoft.com/office/drawing/2014/main" val="35154256"/>
+                  </a:ext>
+                </a:extLst>
+              </a:tr>
+              <a:tr h="370840">
+                <a:tc>
+                  <a:txBody>
+                    <a:bodyPr/>
+                    <a:lstStyle/>
+                    <a:p>
+                      <a:endParaRPr lang="zh-CN" altLang="en-US" b="0" dirty="0"/>
+                    </a:p>
+                  </a:txBody>
+                  <a:tcPr/>
+                </a:tc>
+                <a:extLst>
+                  <a:ext uri="{0D108BD9-81ED-4DB2-BD59-A6C34878D82A}">
+                    <a16:rowId xmlns:a16="http://schemas.microsoft.com/office/drawing/2014/main" val="1181923747"/>
+                  </a:ext>
+                </a:extLst>
+              </a:tr>
+              <a:tr h="370840">
+                <a:tc>
+                  <a:txBody>
+                    <a:bodyPr/>
+                    <a:lstStyle/>
+                    <a:p>
+                      <a:endParaRPr lang="zh-CN" altLang="en-US" b="0" dirty="0"/>
+                    </a:p>
+                  </a:txBody>
+                  <a:tcPr/>
+                </a:tc>
+                <a:extLst>
+                  <a:ext uri="{0D108BD9-81ED-4DB2-BD59-A6C34878D82A}">
+                    <a16:rowId xmlns:a16="http://schemas.microsoft.com/office/drawing/2014/main" val="589870786"/>
+                  </a:ext>
+                </a:extLst>
+              </a:tr>
+              <a:tr h="370840">
+                <a:tc>
+                  <a:txBody>
+                    <a:bodyPr/>
+                    <a:lstStyle/>
+                    <a:p>
+                      <a:endParaRPr lang="zh-CN" altLang="en-US" b="0" dirty="0"/>
+                    </a:p>
+                  </a:txBody>
+                  <a:tcPr/>
+                </a:tc>
+                <a:extLst>
+                  <a:ext uri="{0D108BD9-81ED-4DB2-BD59-A6C34878D82A}">
+                    <a16:rowId xmlns:a16="http://schemas.microsoft.com/office/drawing/2014/main" val="3150361087"/>
+                  </a:ext>
+                </a:extLst>
+              </a:tr>
+              <a:tr h="370840">
+                <a:tc>
+                  <a:txBody>
+                    <a:bodyPr/>
+                    <a:lstStyle/>
+                    <a:p>
+                      <a:endParaRPr lang="zh-CN" altLang="en-US" b="0" dirty="0"/>
+                    </a:p>
+                  </a:txBody>
+                  <a:tcPr/>
+                </a:tc>
+                <a:extLst>
+                  <a:ext uri="{0D108BD9-81ED-4DB2-BD59-A6C34878D82A}">
+                    <a16:rowId xmlns:a16="http://schemas.microsoft.com/office/drawing/2014/main" val="182011134"/>
+                  </a:ext>
+                </a:extLst>
+              </a:tr>
+              <a:tr h="370840">
+                <a:tc>
+                  <a:txBody>
+                    <a:bodyPr/>
+                    <a:lstStyle/>
+                    <a:p>
+                      <a:endParaRPr lang="zh-CN" altLang="en-US" b="0" dirty="0"/>
+                    </a:p>
+                  </a:txBody>
+                  <a:tcPr/>
+                </a:tc>
+                <a:extLst>
+                  <a:ext uri="{0D108BD9-81ED-4DB2-BD59-A6C34878D82A}">
+                    <a16:rowId xmlns:a16="http://schemas.microsoft.com/office/drawing/2014/main" val="1753684760"/>
+                  </a:ext>
+                </a:extLst>
+              </a:tr>
+              <a:tr h="370840">
+                <a:tc>
+                  <a:txBody>
+                    <a:bodyPr/>
+                    <a:lstStyle/>
+                    <a:p>
+                      <a:endParaRPr lang="zh-CN" altLang="en-US" b="0" dirty="0"/>
+                    </a:p>
+                  </a:txBody>
+                  <a:tcPr/>
+                </a:tc>
+                <a:extLst>
+                  <a:ext uri="{0D108BD9-81ED-4DB2-BD59-A6C34878D82A}">
+                    <a16:rowId xmlns:a16="http://schemas.microsoft.com/office/drawing/2014/main" val="2029128889"/>
+                  </a:ext>
+                </a:extLst>
+              </a:tr>
+              <a:tr h="370840">
+                <a:tc>
+                  <a:txBody>
+                    <a:bodyPr/>
+                    <a:lstStyle/>
+                    <a:p>
+                      <a:pPr marL="0" marR="0" lvl="0" indent="0" algn="l" defTabSz="914400" rtl="0" eaLnBrk="1" fontAlgn="auto" latinLnBrk="0" hangingPunct="1">
+                        <a:lnSpc>
+                          <a:spcPct val="100000"/>
+                        </a:lnSpc>
+                        <a:spcBef>
+                          <a:spcPts val="0"/>
+                        </a:spcBef>
+                        <a:spcAft>
+                          <a:spcPts val="0"/>
+                        </a:spcAft>
+                        <a:buClrTx/>
+                        <a:buSzTx/>
+                        <a:buFontTx/>
+                        <a:buNone/>
+                        <a:tabLst/>
+                        <a:defRPr/>
+                      </a:pPr>
+                      <a:endParaRPr lang="zh-CN" altLang="en-US" b="0" dirty="0"/>
+                    </a:p>
+                  </a:txBody>
+                  <a:tcPr/>
+                </a:tc>
+                <a:extLst>
+                  <a:ext uri="{0D108BD9-81ED-4DB2-BD59-A6C34878D82A}">
+                    <a16:rowId xmlns:a16="http://schemas.microsoft.com/office/drawing/2014/main" val="3626492980"/>
+                  </a:ext>
+                </a:extLst>
+              </a:tr>
+              <a:tr h="370840">
+                <a:tc>
+                  <a:txBody>
+                    <a:bodyPr/>
+                    <a:lstStyle/>
+                    <a:p>
+                      <a:pPr marL="0" marR="0" lvl="0" indent="0" algn="l" defTabSz="914400" rtl="0" eaLnBrk="1" fontAlgn="auto" latinLnBrk="0" hangingPunct="1">
+                        <a:lnSpc>
+                          <a:spcPct val="100000"/>
+                        </a:lnSpc>
+                        <a:spcBef>
+                          <a:spcPts val="0"/>
+                        </a:spcBef>
+                        <a:spcAft>
+                          <a:spcPts val="0"/>
+                        </a:spcAft>
+                        <a:buClrTx/>
+                        <a:buSzTx/>
+                        <a:buFontTx/>
+                        <a:buNone/>
+                        <a:tabLst/>
+                        <a:defRPr/>
+                      </a:pPr>
+                      <a:endParaRPr lang="zh-CN" altLang="en-US" b="0" dirty="0"/>
+                    </a:p>
+                  </a:txBody>
+                  <a:tcPr/>
+                </a:tc>
+                <a:extLst>
+                  <a:ext uri="{0D108BD9-81ED-4DB2-BD59-A6C34878D82A}">
+                    <a16:rowId xmlns:a16="http://schemas.microsoft.com/office/drawing/2014/main" val="2993157849"/>
+                  </a:ext>
+                </a:extLst>
+              </a:tr>
+            </a:tbl>
+          </a:graphicData>
+        </a:graphic>
+      </p:graphicFrame>
+      <p:sp>
+        <p:nvSpPr>
+          <p:cNvPr id="8" name="矩形 7">
+            <a:extLst>
+              <a:ext uri="{FF2B5EF4-FFF2-40B4-BE49-F238E27FC236}">
+                <a16:creationId xmlns:a16="http://schemas.microsoft.com/office/drawing/2014/main" id="{4BC06BA3-90DD-4FF8-AC58-FFB0EF525A02}"/>
+              </a:ext>
+            </a:extLst>
+          </p:cNvPr>
+          <p:cNvSpPr/>
+          <p:nvPr/>
+        </p:nvSpPr>
+        <p:spPr>
+          <a:xfrm>
+            <a:off x="7795595" y="1301401"/>
+            <a:ext cx="633507" cy="369332"/>
+          </a:xfrm>
+          <a:prstGeom prst="rect">
+            <a:avLst/>
+          </a:prstGeom>
+        </p:spPr>
+        <p:txBody>
+          <a:bodyPr wrap="none">
+            <a:spAutoFit/>
+          </a:bodyPr>
+          <a:lstStyle/>
+          <a:p>
+            <a:r>
+              <a:rPr lang="en-US" altLang="zh-CN" dirty="0"/>
+              <a:t>argc</a:t>
+            </a:r>
+            <a:endParaRPr lang="zh-CN" altLang="en-US" dirty="0"/>
+          </a:p>
+        </p:txBody>
+      </p:sp>
+      <p:sp>
+        <p:nvSpPr>
+          <p:cNvPr id="9" name="矩形 8">
+            <a:extLst>
+              <a:ext uri="{FF2B5EF4-FFF2-40B4-BE49-F238E27FC236}">
+                <a16:creationId xmlns:a16="http://schemas.microsoft.com/office/drawing/2014/main" id="{D59907BF-D389-4DB0-A0C8-BD9C23DBB9DC}"/>
+              </a:ext>
+            </a:extLst>
+          </p:cNvPr>
+          <p:cNvSpPr/>
+          <p:nvPr/>
+        </p:nvSpPr>
+        <p:spPr>
+          <a:xfrm>
+            <a:off x="7795595" y="1688280"/>
+            <a:ext cx="633507" cy="369332"/>
+          </a:xfrm>
+          <a:prstGeom prst="rect">
+            <a:avLst/>
+          </a:prstGeom>
+        </p:spPr>
+        <p:txBody>
+          <a:bodyPr wrap="none">
+            <a:spAutoFit/>
+          </a:bodyPr>
+          <a:lstStyle/>
+          <a:p>
+            <a:r>
+              <a:rPr lang="en-US" altLang="zh-CN" dirty="0" err="1"/>
+              <a:t>argv</a:t>
+            </a:r>
+            <a:endParaRPr lang="zh-CN" altLang="en-US" dirty="0"/>
+          </a:p>
+        </p:txBody>
+      </p:sp>
+      <p:sp>
+        <p:nvSpPr>
+          <p:cNvPr id="10" name="矩形 9">
+            <a:extLst>
+              <a:ext uri="{FF2B5EF4-FFF2-40B4-BE49-F238E27FC236}">
+                <a16:creationId xmlns:a16="http://schemas.microsoft.com/office/drawing/2014/main" id="{FF26BFF1-3C94-487E-BF76-92843A64E634}"/>
+              </a:ext>
+            </a:extLst>
+          </p:cNvPr>
+          <p:cNvSpPr/>
+          <p:nvPr/>
+        </p:nvSpPr>
+        <p:spPr>
+          <a:xfrm>
+            <a:off x="7795595" y="2049735"/>
+            <a:ext cx="1036833" cy="369332"/>
+          </a:xfrm>
+          <a:prstGeom prst="rect">
+            <a:avLst/>
+          </a:prstGeom>
+        </p:spPr>
+        <p:txBody>
+          <a:bodyPr wrap="square">
+            <a:spAutoFit/>
+          </a:bodyPr>
+          <a:lstStyle/>
+          <a:p>
+            <a:r>
+              <a:rPr lang="en-US" altLang="zh-CN" dirty="0"/>
+              <a:t>ret. add.</a:t>
+            </a:r>
+            <a:endParaRPr lang="zh-CN" altLang="en-US" dirty="0"/>
+          </a:p>
+        </p:txBody>
+      </p:sp>
+      <p:sp>
+        <p:nvSpPr>
+          <p:cNvPr id="11" name="矩形 10">
+            <a:extLst>
+              <a:ext uri="{FF2B5EF4-FFF2-40B4-BE49-F238E27FC236}">
+                <a16:creationId xmlns:a16="http://schemas.microsoft.com/office/drawing/2014/main" id="{5D211D13-2E0C-48EE-8D30-60BE79BBF186}"/>
+              </a:ext>
+            </a:extLst>
+          </p:cNvPr>
+          <p:cNvSpPr/>
+          <p:nvPr/>
+        </p:nvSpPr>
+        <p:spPr>
+          <a:xfrm>
+            <a:off x="7795595" y="2468229"/>
+            <a:ext cx="1326004" cy="369332"/>
+          </a:xfrm>
+          <a:prstGeom prst="rect">
+            <a:avLst/>
+          </a:prstGeom>
+        </p:spPr>
+        <p:txBody>
+          <a:bodyPr wrap="none">
+            <a:spAutoFit/>
+          </a:bodyPr>
+          <a:lstStyle/>
+          <a:p>
+            <a:r>
+              <a:rPr lang="en-US" altLang="zh-CN" dirty="0" err="1"/>
+              <a:t>allow_login</a:t>
+            </a:r>
+            <a:endParaRPr lang="zh-CN" altLang="en-US" dirty="0"/>
+          </a:p>
+        </p:txBody>
+      </p:sp>
+      <p:sp>
+        <p:nvSpPr>
+          <p:cNvPr id="12" name="矩形 11">
+            <a:extLst>
+              <a:ext uri="{FF2B5EF4-FFF2-40B4-BE49-F238E27FC236}">
+                <a16:creationId xmlns:a16="http://schemas.microsoft.com/office/drawing/2014/main" id="{22684CBC-FF03-423D-8760-112BC0CA8F68}"/>
+              </a:ext>
+            </a:extLst>
+          </p:cNvPr>
+          <p:cNvSpPr/>
+          <p:nvPr/>
+        </p:nvSpPr>
+        <p:spPr>
+          <a:xfrm>
+            <a:off x="7997584" y="3226066"/>
+            <a:ext cx="864339" cy="369332"/>
+          </a:xfrm>
+          <a:prstGeom prst="rect">
+            <a:avLst/>
+          </a:prstGeom>
+        </p:spPr>
+        <p:txBody>
+          <a:bodyPr wrap="none">
+            <a:spAutoFit/>
+          </a:bodyPr>
+          <a:lstStyle/>
+          <a:p>
+            <a:r>
+              <a:rPr lang="en-US" altLang="zh-CN" dirty="0" err="1"/>
+              <a:t>pwdstr</a:t>
+            </a:r>
+            <a:endParaRPr lang="zh-CN" altLang="en-US" dirty="0"/>
+          </a:p>
+        </p:txBody>
+      </p:sp>
+      <p:cxnSp>
+        <p:nvCxnSpPr>
+          <p:cNvPr id="14" name="直接箭头连接符 13">
+            <a:extLst>
+              <a:ext uri="{FF2B5EF4-FFF2-40B4-BE49-F238E27FC236}">
+                <a16:creationId xmlns:a16="http://schemas.microsoft.com/office/drawing/2014/main" id="{5AB9C311-16E5-4E1E-B427-5FB44380D9CB}"/>
+              </a:ext>
+            </a:extLst>
+          </p:cNvPr>
+          <p:cNvCxnSpPr>
+            <a:cxnSpLocks/>
+          </p:cNvCxnSpPr>
+          <p:nvPr/>
+        </p:nvCxnSpPr>
+        <p:spPr>
+          <a:xfrm flipH="1" flipV="1">
+            <a:off x="7897446" y="2992522"/>
+            <a:ext cx="396855" cy="281955"/>
+          </a:xfrm>
+          <a:prstGeom prst="straightConnector1">
+            <a:avLst/>
+          </a:prstGeom>
+          <a:ln w="19050">
+            <a:solidFill>
+              <a:schemeClr val="tx1"/>
+            </a:solidFill>
+            <a:tailEnd type="triangle"/>
+          </a:ln>
+        </p:spPr>
+        <p:style>
+          <a:lnRef idx="1">
+            <a:schemeClr val="accent1"/>
+          </a:lnRef>
+          <a:fillRef idx="0">
+            <a:schemeClr val="accent1"/>
+          </a:fillRef>
+          <a:effectRef idx="0">
+            <a:schemeClr val="accent1"/>
+          </a:effectRef>
+          <a:fontRef idx="minor">
+            <a:schemeClr val="tx1"/>
+          </a:fontRef>
+        </p:style>
+      </p:cxnSp>
+      <p:cxnSp>
+        <p:nvCxnSpPr>
+          <p:cNvPr id="16" name="直接箭头连接符 15">
+            <a:extLst>
+              <a:ext uri="{FF2B5EF4-FFF2-40B4-BE49-F238E27FC236}">
+                <a16:creationId xmlns:a16="http://schemas.microsoft.com/office/drawing/2014/main" id="{76D5D431-7BC5-44AB-ADFD-3830576CE53A}"/>
+              </a:ext>
+            </a:extLst>
+          </p:cNvPr>
+          <p:cNvCxnSpPr>
+            <a:cxnSpLocks/>
+          </p:cNvCxnSpPr>
+          <p:nvPr/>
+        </p:nvCxnSpPr>
+        <p:spPr>
+          <a:xfrm flipH="1">
+            <a:off x="7943588" y="3556432"/>
+            <a:ext cx="350716" cy="319598"/>
+          </a:xfrm>
+          <a:prstGeom prst="straightConnector1">
+            <a:avLst/>
+          </a:prstGeom>
+          <a:ln w="19050">
+            <a:solidFill>
+              <a:schemeClr val="tx1"/>
+            </a:solidFill>
+            <a:tailEnd type="triangle"/>
+          </a:ln>
+        </p:spPr>
+        <p:style>
+          <a:lnRef idx="1">
+            <a:schemeClr val="accent1"/>
+          </a:lnRef>
+          <a:fillRef idx="0">
+            <a:schemeClr val="accent1"/>
+          </a:fillRef>
+          <a:effectRef idx="0">
+            <a:schemeClr val="accent1"/>
+          </a:effectRef>
+          <a:fontRef idx="minor">
+            <a:schemeClr val="tx1"/>
+          </a:fontRef>
+        </p:style>
+      </p:cxnSp>
+      <p:sp>
+        <p:nvSpPr>
+          <p:cNvPr id="24" name="矩形 23">
+            <a:extLst>
+              <a:ext uri="{FF2B5EF4-FFF2-40B4-BE49-F238E27FC236}">
+                <a16:creationId xmlns:a16="http://schemas.microsoft.com/office/drawing/2014/main" id="{DA3DBFCB-CDD0-41E8-98D6-EED8CB2EB7BC}"/>
+              </a:ext>
+            </a:extLst>
+          </p:cNvPr>
+          <p:cNvSpPr/>
+          <p:nvPr/>
+        </p:nvSpPr>
+        <p:spPr>
+          <a:xfrm>
+            <a:off x="7902116" y="4247398"/>
+            <a:ext cx="1197764" cy="369332"/>
+          </a:xfrm>
+          <a:prstGeom prst="rect">
+            <a:avLst/>
+          </a:prstGeom>
+        </p:spPr>
+        <p:txBody>
+          <a:bodyPr wrap="none">
+            <a:spAutoFit/>
+          </a:bodyPr>
+          <a:lstStyle/>
+          <a:p>
+            <a:r>
+              <a:rPr lang="en-US" altLang="zh-CN" dirty="0" err="1"/>
+              <a:t>targetpwd</a:t>
+            </a:r>
+            <a:endParaRPr lang="zh-CN" altLang="en-US" dirty="0"/>
+          </a:p>
+        </p:txBody>
+      </p:sp>
+      <p:cxnSp>
+        <p:nvCxnSpPr>
+          <p:cNvPr id="27" name="直接箭头连接符 26">
+            <a:extLst>
+              <a:ext uri="{FF2B5EF4-FFF2-40B4-BE49-F238E27FC236}">
+                <a16:creationId xmlns:a16="http://schemas.microsoft.com/office/drawing/2014/main" id="{53A44B20-54EC-486A-8BB8-3588C1BDB03F}"/>
+              </a:ext>
+            </a:extLst>
+          </p:cNvPr>
+          <p:cNvCxnSpPr>
+            <a:cxnSpLocks/>
+          </p:cNvCxnSpPr>
+          <p:nvPr/>
+        </p:nvCxnSpPr>
+        <p:spPr>
+          <a:xfrm flipH="1" flipV="1">
+            <a:off x="7897445" y="4052819"/>
+            <a:ext cx="396856" cy="192543"/>
+          </a:xfrm>
+          <a:prstGeom prst="straightConnector1">
+            <a:avLst/>
+          </a:prstGeom>
+          <a:ln w="19050">
+            <a:solidFill>
+              <a:schemeClr val="tx1"/>
+            </a:solidFill>
+            <a:tailEnd type="triangle"/>
+          </a:ln>
+        </p:spPr>
+        <p:style>
+          <a:lnRef idx="1">
+            <a:schemeClr val="accent1"/>
+          </a:lnRef>
+          <a:fillRef idx="0">
+            <a:schemeClr val="accent1"/>
+          </a:fillRef>
+          <a:effectRef idx="0">
+            <a:schemeClr val="accent1"/>
+          </a:effectRef>
+          <a:fontRef idx="minor">
+            <a:schemeClr val="tx1"/>
+          </a:fontRef>
+        </p:style>
+      </p:cxnSp>
+      <p:cxnSp>
+        <p:nvCxnSpPr>
+          <p:cNvPr id="28" name="直接箭头连接符 27">
+            <a:extLst>
+              <a:ext uri="{FF2B5EF4-FFF2-40B4-BE49-F238E27FC236}">
+                <a16:creationId xmlns:a16="http://schemas.microsoft.com/office/drawing/2014/main" id="{FC5C5817-D2C0-49FB-9D96-113079392309}"/>
+              </a:ext>
+            </a:extLst>
+          </p:cNvPr>
+          <p:cNvCxnSpPr>
+            <a:cxnSpLocks/>
+          </p:cNvCxnSpPr>
+          <p:nvPr/>
+        </p:nvCxnSpPr>
+        <p:spPr>
+          <a:xfrm flipH="1">
+            <a:off x="7943587" y="4616730"/>
+            <a:ext cx="350716" cy="319598"/>
+          </a:xfrm>
+          <a:prstGeom prst="straightConnector1">
+            <a:avLst/>
+          </a:prstGeom>
+          <a:ln w="19050">
+            <a:solidFill>
+              <a:schemeClr val="tx1"/>
+            </a:solidFill>
+            <a:tailEnd type="triangle"/>
+          </a:ln>
+        </p:spPr>
+        <p:style>
+          <a:lnRef idx="1">
+            <a:schemeClr val="accent1"/>
+          </a:lnRef>
+          <a:fillRef idx="0">
+            <a:schemeClr val="accent1"/>
+          </a:fillRef>
+          <a:effectRef idx="0">
+            <a:schemeClr val="accent1"/>
+          </a:effectRef>
+          <a:fontRef idx="minor">
+            <a:schemeClr val="tx1"/>
+          </a:fontRef>
+        </p:style>
+      </p:cxnSp>
+      <p:sp>
+        <p:nvSpPr>
+          <p:cNvPr id="31" name="矩形 30">
+            <a:extLst>
+              <a:ext uri="{FF2B5EF4-FFF2-40B4-BE49-F238E27FC236}">
+                <a16:creationId xmlns:a16="http://schemas.microsoft.com/office/drawing/2014/main" id="{C99ECCD5-2393-4A51-AE86-EED838D1B152}"/>
+              </a:ext>
+            </a:extLst>
+          </p:cNvPr>
+          <p:cNvSpPr/>
+          <p:nvPr/>
+        </p:nvSpPr>
+        <p:spPr>
+          <a:xfrm>
+            <a:off x="5657319" y="1301401"/>
+            <a:ext cx="655949" cy="369332"/>
+          </a:xfrm>
+          <a:prstGeom prst="rect">
+            <a:avLst/>
+          </a:prstGeom>
+        </p:spPr>
+        <p:txBody>
+          <a:bodyPr wrap="none">
+            <a:spAutoFit/>
+          </a:bodyPr>
+          <a:lstStyle/>
+          <a:p>
+            <a:r>
+              <a:rPr lang="en-US" altLang="zh-CN" dirty="0" err="1"/>
+              <a:t>addr</a:t>
+            </a:r>
+            <a:endParaRPr lang="zh-CN" altLang="en-US" dirty="0"/>
+          </a:p>
+        </p:txBody>
+      </p:sp>
+      <p:sp>
+        <p:nvSpPr>
+          <p:cNvPr id="32" name="矩形 31">
+            <a:extLst>
+              <a:ext uri="{FF2B5EF4-FFF2-40B4-BE49-F238E27FC236}">
+                <a16:creationId xmlns:a16="http://schemas.microsoft.com/office/drawing/2014/main" id="{37012B91-7F80-4251-BC7D-0CD93EAF7068}"/>
+              </a:ext>
+            </a:extLst>
+          </p:cNvPr>
+          <p:cNvSpPr/>
+          <p:nvPr/>
+        </p:nvSpPr>
+        <p:spPr>
+          <a:xfrm>
+            <a:off x="5378397" y="1701228"/>
+            <a:ext cx="934871" cy="369332"/>
+          </a:xfrm>
+          <a:prstGeom prst="rect">
+            <a:avLst/>
+          </a:prstGeom>
+        </p:spPr>
+        <p:txBody>
+          <a:bodyPr wrap="none">
+            <a:spAutoFit/>
+          </a:bodyPr>
+          <a:lstStyle/>
+          <a:p>
+            <a:r>
+              <a:rPr lang="en-US" altLang="zh-CN" dirty="0"/>
+              <a:t>addr+4</a:t>
+            </a:r>
+            <a:endParaRPr lang="zh-CN" altLang="en-US" dirty="0"/>
+          </a:p>
+        </p:txBody>
+      </p:sp>
+      <p:sp>
+        <p:nvSpPr>
+          <p:cNvPr id="33" name="矩形 32">
+            <a:extLst>
+              <a:ext uri="{FF2B5EF4-FFF2-40B4-BE49-F238E27FC236}">
+                <a16:creationId xmlns:a16="http://schemas.microsoft.com/office/drawing/2014/main" id="{BCE7E7B9-2B85-4604-A148-1C34E80AB7E2}"/>
+              </a:ext>
+            </a:extLst>
+          </p:cNvPr>
+          <p:cNvSpPr/>
+          <p:nvPr/>
+        </p:nvSpPr>
+        <p:spPr>
+          <a:xfrm>
+            <a:off x="5378397" y="2096951"/>
+            <a:ext cx="934871" cy="369332"/>
+          </a:xfrm>
+          <a:prstGeom prst="rect">
+            <a:avLst/>
+          </a:prstGeom>
+        </p:spPr>
+        <p:txBody>
+          <a:bodyPr wrap="none">
+            <a:spAutoFit/>
+          </a:bodyPr>
+          <a:lstStyle/>
+          <a:p>
+            <a:r>
+              <a:rPr lang="en-US" altLang="zh-CN" dirty="0"/>
+              <a:t>addr+8</a:t>
+            </a:r>
+            <a:endParaRPr lang="zh-CN" altLang="en-US" dirty="0"/>
+          </a:p>
+        </p:txBody>
+      </p:sp>
+      <p:sp>
+        <p:nvSpPr>
+          <p:cNvPr id="34" name="矩形 33">
+            <a:extLst>
+              <a:ext uri="{FF2B5EF4-FFF2-40B4-BE49-F238E27FC236}">
+                <a16:creationId xmlns:a16="http://schemas.microsoft.com/office/drawing/2014/main" id="{0E4A09F2-D3E9-4CEF-9728-DDFA56444A30}"/>
+              </a:ext>
+            </a:extLst>
+          </p:cNvPr>
+          <p:cNvSpPr/>
+          <p:nvPr/>
+        </p:nvSpPr>
+        <p:spPr>
+          <a:xfrm>
+            <a:off x="755576" y="5369631"/>
+            <a:ext cx="7673526" cy="1408532"/>
+          </a:xfrm>
+          <a:prstGeom prst="rect">
+            <a:avLst/>
+          </a:prstGeom>
+        </p:spPr>
+        <p:style>
+          <a:lnRef idx="2">
+            <a:schemeClr val="accent1">
+              <a:shade val="50000"/>
+            </a:schemeClr>
+          </a:lnRef>
+          <a:fillRef idx="1">
+            <a:schemeClr val="accent1"/>
+          </a:fillRef>
+          <a:effectRef idx="0">
+            <a:schemeClr val="accent1"/>
+          </a:effectRef>
+          <a:fontRef idx="minor">
+            <a:schemeClr val="lt1"/>
+          </a:fontRef>
+        </p:style>
+        <p:txBody>
+          <a:bodyPr rtlCol="0" anchor="ctr"/>
+          <a:lstStyle/>
+          <a:p>
+            <a:pPr algn="just"/>
+            <a:r>
+              <a:rPr lang="en-US" altLang="zh-CN" dirty="0">
+                <a:solidFill>
+                  <a:schemeClr val="tx1">
+                    <a:lumMod val="50000"/>
+                    <a:lumOff val="50000"/>
+                  </a:schemeClr>
+                </a:solidFill>
+                <a:latin typeface="+mj-lt"/>
+              </a:rPr>
+              <a:t>An input larger than 12 Bytes will cause stack overflow in gets(</a:t>
+            </a:r>
+            <a:r>
+              <a:rPr lang="en-US" altLang="zh-CN" dirty="0" err="1">
+                <a:solidFill>
+                  <a:schemeClr val="tx1">
+                    <a:lumMod val="50000"/>
+                    <a:lumOff val="50000"/>
+                  </a:schemeClr>
+                </a:solidFill>
+                <a:latin typeface="+mj-lt"/>
+              </a:rPr>
+              <a:t>pwdstr</a:t>
+            </a:r>
+            <a:r>
+              <a:rPr lang="en-US" altLang="zh-CN" dirty="0">
+                <a:solidFill>
+                  <a:schemeClr val="tx1">
+                    <a:lumMod val="50000"/>
+                    <a:lumOff val="50000"/>
+                  </a:schemeClr>
+                </a:solidFill>
+                <a:latin typeface="+mj-lt"/>
+              </a:rPr>
+              <a:t>) and overwrite </a:t>
+            </a:r>
+            <a:r>
+              <a:rPr lang="en-US" altLang="zh-CN" dirty="0" err="1">
+                <a:solidFill>
+                  <a:schemeClr val="tx1">
+                    <a:lumMod val="50000"/>
+                    <a:lumOff val="50000"/>
+                  </a:schemeClr>
+                </a:solidFill>
+                <a:latin typeface="+mj-lt"/>
+              </a:rPr>
+              <a:t>allow_login</a:t>
+            </a:r>
+            <a:r>
+              <a:rPr lang="en-US" altLang="zh-CN" dirty="0">
+                <a:solidFill>
+                  <a:schemeClr val="tx1">
+                    <a:lumMod val="50000"/>
+                    <a:lumOff val="50000"/>
+                  </a:schemeClr>
+                </a:solidFill>
+                <a:latin typeface="+mj-lt"/>
+              </a:rPr>
+              <a:t> and/or return address. </a:t>
+            </a:r>
+          </a:p>
+          <a:p>
+            <a:pPr algn="just"/>
+            <a:r>
+              <a:rPr lang="en-US" altLang="zh-CN" dirty="0">
+                <a:solidFill>
+                  <a:schemeClr val="tx1">
+                    <a:lumMod val="50000"/>
+                    <a:lumOff val="50000"/>
+                  </a:schemeClr>
+                </a:solidFill>
+                <a:latin typeface="+mj-lt"/>
+              </a:rPr>
+              <a:t>If </a:t>
+            </a:r>
+            <a:r>
+              <a:rPr lang="en-US" altLang="zh-CN" dirty="0" err="1">
+                <a:solidFill>
+                  <a:schemeClr val="tx1">
+                    <a:lumMod val="50000"/>
+                    <a:lumOff val="50000"/>
+                  </a:schemeClr>
+                </a:solidFill>
+                <a:latin typeface="+mj-lt"/>
+              </a:rPr>
+              <a:t>allow_login</a:t>
+            </a:r>
+            <a:r>
+              <a:rPr lang="en-US" altLang="zh-CN" dirty="0">
+                <a:solidFill>
+                  <a:schemeClr val="tx1">
+                    <a:lumMod val="50000"/>
+                    <a:lumOff val="50000"/>
+                  </a:schemeClr>
+                </a:solidFill>
+                <a:latin typeface="+mj-lt"/>
+              </a:rPr>
+              <a:t> is overwritten to be 1, then login is successful.</a:t>
+            </a:r>
+          </a:p>
+          <a:p>
+            <a:pPr algn="just"/>
+            <a:r>
+              <a:rPr lang="en-US" altLang="zh-CN" dirty="0">
+                <a:solidFill>
+                  <a:schemeClr val="tx1">
+                    <a:lumMod val="50000"/>
+                    <a:lumOff val="50000"/>
+                  </a:schemeClr>
+                </a:solidFill>
+                <a:latin typeface="+mj-lt"/>
+              </a:rPr>
+              <a:t>If return address is overwritten to point to malicious code, then control flow jumps to it after main() finishes</a:t>
+            </a:r>
+            <a:endParaRPr lang="zh-CN" altLang="en-US" dirty="0">
+              <a:solidFill>
+                <a:schemeClr val="tx1">
+                  <a:lumMod val="50000"/>
+                  <a:lumOff val="50000"/>
+                </a:schemeClr>
+              </a:solidFill>
+              <a:latin typeface="+mj-lt"/>
+            </a:endParaRPr>
+          </a:p>
+        </p:txBody>
+      </p:sp>
+      <p:sp>
+        <p:nvSpPr>
+          <p:cNvPr id="37" name="文本框 36">
+            <a:extLst>
+              <a:ext uri="{FF2B5EF4-FFF2-40B4-BE49-F238E27FC236}">
+                <a16:creationId xmlns:a16="http://schemas.microsoft.com/office/drawing/2014/main" id="{2A602E18-C35A-4E74-90E4-D673B2FC0585}"/>
+              </a:ext>
+            </a:extLst>
+          </p:cNvPr>
+          <p:cNvSpPr txBox="1"/>
+          <p:nvPr/>
+        </p:nvSpPr>
+        <p:spPr>
+          <a:xfrm>
+            <a:off x="5729631" y="404664"/>
+            <a:ext cx="2649602" cy="923330"/>
+          </a:xfrm>
+          <a:prstGeom prst="rect">
+            <a:avLst/>
+          </a:prstGeom>
+          <a:noFill/>
+        </p:spPr>
+        <p:txBody>
+          <a:bodyPr wrap="square" rtlCol="0">
+            <a:spAutoFit/>
+          </a:bodyPr>
+          <a:lstStyle/>
+          <a:p>
+            <a:r>
+              <a:rPr lang="en-US" altLang="zh-CN" dirty="0"/>
+              <a:t>System stack (assuming a 32-bit CPU, so each word is 4 Bytes)</a:t>
+            </a:r>
+            <a:endParaRPr lang="zh-CN" altLang="en-US" dirty="0"/>
+          </a:p>
+        </p:txBody>
+      </p:sp>
+      <p:sp>
+        <p:nvSpPr>
+          <p:cNvPr id="38" name="箭头: 上下 37">
+            <a:extLst>
+              <a:ext uri="{FF2B5EF4-FFF2-40B4-BE49-F238E27FC236}">
+                <a16:creationId xmlns:a16="http://schemas.microsoft.com/office/drawing/2014/main" id="{3827E2D8-3A05-437D-8F5C-833A8615CB6D}"/>
+              </a:ext>
+            </a:extLst>
+          </p:cNvPr>
+          <p:cNvSpPr/>
+          <p:nvPr/>
+        </p:nvSpPr>
+        <p:spPr>
+          <a:xfrm>
+            <a:off x="6969216" y="2452251"/>
+            <a:ext cx="362095" cy="1465625"/>
+          </a:xfrm>
+          <a:prstGeom prst="upDownArrow">
+            <a:avLst/>
+          </a:prstGeom>
+        </p:spPr>
+        <p:style>
+          <a:lnRef idx="2">
+            <a:schemeClr val="accent1">
+              <a:shade val="50000"/>
+            </a:schemeClr>
+          </a:lnRef>
+          <a:fillRef idx="1">
+            <a:schemeClr val="accent1"/>
+          </a:fillRef>
+          <a:effectRef idx="0">
+            <a:schemeClr val="accent1"/>
+          </a:effectRef>
+          <a:fontRef idx="minor">
+            <a:schemeClr val="lt1"/>
+          </a:fontRef>
+        </p:style>
+        <p:txBody>
+          <a:bodyPr rtlCol="0" anchor="ctr"/>
+          <a:lstStyle/>
+          <a:p>
+            <a:pPr algn="ctr"/>
+            <a:endParaRPr lang="zh-CN" altLang="en-US"/>
+          </a:p>
+        </p:txBody>
+      </p:sp>
+      <p:sp>
+        <p:nvSpPr>
+          <p:cNvPr id="22" name="箭头: 上下 21">
+            <a:extLst>
+              <a:ext uri="{FF2B5EF4-FFF2-40B4-BE49-F238E27FC236}">
+                <a16:creationId xmlns:a16="http://schemas.microsoft.com/office/drawing/2014/main" id="{FC192E98-7C4D-48C4-BD14-A6E96BA09E64}"/>
+              </a:ext>
+            </a:extLst>
+          </p:cNvPr>
+          <p:cNvSpPr/>
+          <p:nvPr/>
+        </p:nvSpPr>
+        <p:spPr>
+          <a:xfrm>
+            <a:off x="6568784" y="2070561"/>
+            <a:ext cx="362095" cy="1847316"/>
+          </a:xfrm>
+          <a:prstGeom prst="upDownArrow">
+            <a:avLst/>
+          </a:prstGeom>
+        </p:spPr>
+        <p:style>
+          <a:lnRef idx="2">
+            <a:schemeClr val="accent1">
+              <a:shade val="50000"/>
+            </a:schemeClr>
+          </a:lnRef>
+          <a:fillRef idx="1">
+            <a:schemeClr val="accent1"/>
+          </a:fillRef>
+          <a:effectRef idx="0">
+            <a:schemeClr val="accent1"/>
+          </a:effectRef>
+          <a:fontRef idx="minor">
+            <a:schemeClr val="lt1"/>
+          </a:fontRef>
+        </p:style>
+        <p:txBody>
+          <a:bodyPr rtlCol="0" anchor="ctr"/>
+          <a:lstStyle/>
+          <a:p>
+            <a:pPr algn="ctr"/>
+            <a:endParaRPr lang="zh-CN" altLang="en-US"/>
+          </a:p>
+        </p:txBody>
+      </p:sp>
+    </p:spTree>
+    <p:extLst>
+      <p:ext uri="{BB962C8B-B14F-4D97-AF65-F5344CB8AC3E}">
+        <p14:creationId xmlns:p14="http://schemas.microsoft.com/office/powerpoint/2010/main" val="1695324056"/>
+      </p:ext>
+    </p:extLst>
+  </p:cSld>
+  <p:clrMapOvr>
+    <a:masterClrMapping/>
+  </p:clrMapOvr>
+  <p:transition spd="slow"/>
+</p:sld>
+</file>
+
+<file path=ppt/slides/slide11.xml><?xml version="1.0" encoding="utf-8"?>
+<p:sld xmlns:a="http://schemas.openxmlformats.org/drawingml/2006/main" xmlns:r="http://schemas.openxmlformats.org/officeDocument/2006/relationships" xmlns:p="http://schemas.openxmlformats.org/presentationml/2006/main">
+  <p:cSld>
+    <p:spTree>
+      <p:nvGrpSpPr>
+        <p:cNvPr id="1" name=""/>
+        <p:cNvGrpSpPr/>
+        <p:nvPr/>
+      </p:nvGrpSpPr>
+      <p:grpSpPr>
+        <a:xfrm>
+          <a:off x="0" y="0"/>
+          <a:ext cx="0" cy="0"/>
+          <a:chOff x="0" y="0"/>
+          <a:chExt cx="0" cy="0"/>
+        </a:xfrm>
+      </p:grpSpPr>
       <p:pic>
         <p:nvPicPr>
           <p:cNvPr id="5" name="Picture 4"/>
@@ -28213,7 +29599,7 @@
                 </a:solidFill>
               </a:rPr>
               <a:pPr/>
-              <a:t>10</a:t>
+              <a:t>11</a:t>
             </a:fld>
             <a:endParaRPr lang="en-US" dirty="0">
               <a:solidFill>
@@ -28330,7 +29716,7 @@
 </p:sld>
 </file>
 
-<file path=ppt/slides/slide11.xml><?xml version="1.0" encoding="utf-8"?>
+<file path=ppt/slides/slide12.xml><?xml version="1.0" encoding="utf-8"?>
 <p:sld xmlns:a="http://schemas.openxmlformats.org/drawingml/2006/main" xmlns:r="http://schemas.openxmlformats.org/officeDocument/2006/relationships" xmlns:p="http://schemas.openxmlformats.org/presentationml/2006/main">
   <p:cSld>
     <p:spTree>
@@ -28455,7 +29841,7 @@
                 </a:solidFill>
               </a:rPr>
               <a:pPr/>
-              <a:t>11</a:t>
+              <a:t>12</a:t>
             </a:fld>
             <a:endParaRPr lang="en-US" dirty="0">
               <a:solidFill>
@@ -28518,7 +29904,7 @@
 </p:sld>
 </file>
 
-<file path=ppt/slides/slide12.xml><?xml version="1.0" encoding="utf-8"?>
+<file path=ppt/slides/slide13.xml><?xml version="1.0" encoding="utf-8"?>
 <p:sld xmlns:a="http://schemas.openxmlformats.org/drawingml/2006/main" xmlns:r="http://schemas.openxmlformats.org/officeDocument/2006/relationships" xmlns:p="http://schemas.openxmlformats.org/presentationml/2006/main">
   <p:cSld>
     <p:spTree>
@@ -28737,7 +30123,7 @@
                 </a:solidFill>
               </a:rPr>
               <a:pPr/>
-              <a:t>12</a:t>
+              <a:t>13</a:t>
             </a:fld>
             <a:endParaRPr lang="en-US" dirty="0">
               <a:solidFill>
@@ -28759,7 +30145,7 @@
 </p:sld>
 </file>
 
-<file path=ppt/slides/slide13.xml><?xml version="1.0" encoding="utf-8"?>
+<file path=ppt/slides/slide14.xml><?xml version="1.0" encoding="utf-8"?>
 <p:sld xmlns:a="http://schemas.openxmlformats.org/drawingml/2006/main" xmlns:r="http://schemas.openxmlformats.org/officeDocument/2006/relationships" xmlns:p="http://schemas.openxmlformats.org/presentationml/2006/main" showMasterSp="0">
   <p:cSld>
     <p:spTree>
@@ -28884,7 +30270,7 @@
                 </a:solidFill>
               </a:rPr>
               <a:pPr/>
-              <a:t>13</a:t>
+              <a:t>14</a:t>
             </a:fld>
             <a:endParaRPr lang="en-US" dirty="0">
               <a:solidFill>
@@ -28906,7 +30292,7 @@
 </p:sld>
 </file>
 
-<file path=ppt/slides/slide14.xml><?xml version="1.0" encoding="utf-8"?>
+<file path=ppt/slides/slide15.xml><?xml version="1.0" encoding="utf-8"?>
 <p:sld xmlns:a="http://schemas.openxmlformats.org/drawingml/2006/main" xmlns:r="http://schemas.openxmlformats.org/officeDocument/2006/relationships" xmlns:p="http://schemas.openxmlformats.org/presentationml/2006/main">
   <p:cSld>
     <p:spTree>
@@ -28979,7 +30365,7 @@
                 </a:solidFill>
               </a:rPr>
               <a:pPr/>
-              <a:t>14</a:t>
+              <a:t>15</a:t>
             </a:fld>
             <a:endParaRPr lang="en-US" dirty="0">
               <a:solidFill>
@@ -29047,7 +30433,7 @@
 </p:sld>
 </file>
 
-<file path=ppt/slides/slide15.xml><?xml version="1.0" encoding="utf-8"?>
+<file path=ppt/slides/slide16.xml><?xml version="1.0" encoding="utf-8"?>
 <p:sld xmlns:a="http://schemas.openxmlformats.org/drawingml/2006/main" xmlns:r="http://schemas.openxmlformats.org/officeDocument/2006/relationships" xmlns:p="http://schemas.openxmlformats.org/presentationml/2006/main">
   <p:cSld>
     <p:spTree>
@@ -29167,7 +30553,7 @@
                 </a:solidFill>
               </a:rPr>
               <a:pPr/>
-              <a:t>15</a:t>
+              <a:t>16</a:t>
             </a:fld>
             <a:endParaRPr lang="en-US" dirty="0">
               <a:solidFill>
@@ -29194,7 +30580,7 @@
 </p:sld>
 </file>
 
-<file path=ppt/slides/slide16.xml><?xml version="1.0" encoding="utf-8"?>
+<file path=ppt/slides/slide17.xml><?xml version="1.0" encoding="utf-8"?>
 <p:sld xmlns:a="http://schemas.openxmlformats.org/drawingml/2006/main" xmlns:r="http://schemas.openxmlformats.org/officeDocument/2006/relationships" xmlns:p="http://schemas.openxmlformats.org/presentationml/2006/main">
   <p:cSld>
     <p:spTree>
@@ -29399,7 +30785,7 @@
                 </a:solidFill>
               </a:rPr>
               <a:pPr/>
-              <a:t>16</a:t>
+              <a:t>17</a:t>
             </a:fld>
             <a:endParaRPr lang="en-US" dirty="0">
               <a:solidFill>
@@ -29421,7 +30807,7 @@
 </p:sld>
 </file>
 
-<file path=ppt/slides/slide17.xml><?xml version="1.0" encoding="utf-8"?>
+<file path=ppt/slides/slide18.xml><?xml version="1.0" encoding="utf-8"?>
 <p:sld xmlns:a="http://schemas.openxmlformats.org/drawingml/2006/main" xmlns:r="http://schemas.openxmlformats.org/officeDocument/2006/relationships" xmlns:p="http://schemas.openxmlformats.org/presentationml/2006/main">
   <p:cSld>
     <p:spTree>
@@ -29631,7 +31017,7 @@
                 </a:solidFill>
               </a:rPr>
               <a:pPr/>
-              <a:t>17</a:t>
+              <a:t>18</a:t>
             </a:fld>
             <a:endParaRPr lang="en-US" dirty="0">
               <a:solidFill>
@@ -29653,7 +31039,7 @@
 </p:sld>
 </file>
 
-<file path=ppt/slides/slide18.xml><?xml version="1.0" encoding="utf-8"?>
+<file path=ppt/slides/slide19.xml><?xml version="1.0" encoding="utf-8"?>
 <p:sld xmlns:a="http://schemas.openxmlformats.org/drawingml/2006/main" xmlns:r="http://schemas.openxmlformats.org/officeDocument/2006/relationships" xmlns:p="http://schemas.openxmlformats.org/presentationml/2006/main">
   <p:cSld>
     <p:spTree>
@@ -29863,7 +31249,7 @@
                 </a:solidFill>
               </a:rPr>
               <a:pPr/>
-              <a:t>18</a:t>
+              <a:t>19</a:t>
             </a:fld>
             <a:endParaRPr lang="en-US" dirty="0">
               <a:solidFill>
@@ -29999,7 +31385,580 @@
 </p:sld>
 </file>
 
-<file path=ppt/slides/slide19.xml><?xml version="1.0" encoding="utf-8"?>
+<file path=ppt/slides/slide2.xml><?xml version="1.0" encoding="utf-8"?>
+<p:sld xmlns:a="http://schemas.openxmlformats.org/drawingml/2006/main" xmlns:r="http://schemas.openxmlformats.org/officeDocument/2006/relationships" xmlns:p="http://schemas.openxmlformats.org/presentationml/2006/main">
+  <p:cSld>
+    <p:spTree>
+      <p:nvGrpSpPr>
+        <p:cNvPr id="1" name=""/>
+        <p:cNvGrpSpPr/>
+        <p:nvPr/>
+      </p:nvGrpSpPr>
+      <p:grpSpPr>
+        <a:xfrm>
+          <a:off x="0" y="0"/>
+          <a:ext cx="0" cy="0"/>
+          <a:chOff x="0" y="0"/>
+          <a:chExt cx="0" cy="0"/>
+        </a:xfrm>
+      </p:grpSpPr>
+      <p:sp>
+        <p:nvSpPr>
+          <p:cNvPr id="2" name="Title 1">
+            <a:extLst>
+              <a:ext uri="{FF2B5EF4-FFF2-40B4-BE49-F238E27FC236}">
+                <a16:creationId xmlns:a16="http://schemas.microsoft.com/office/drawing/2014/main" id="{BE55FDBD-3243-4EBE-AB25-926729A3252D}"/>
+              </a:ext>
+            </a:extLst>
+          </p:cNvPr>
+          <p:cNvSpPr>
+            <a:spLocks noGrp="1"/>
+          </p:cNvSpPr>
+          <p:nvPr>
+            <p:ph type="title"/>
+          </p:nvPr>
+        </p:nvSpPr>
+        <p:spPr/>
+        <p:txBody>
+          <a:bodyPr/>
+          <a:lstStyle/>
+          <a:p>
+            <a:endParaRPr lang="en-SE"/>
+          </a:p>
+        </p:txBody>
+      </p:sp>
+      <p:sp>
+        <p:nvSpPr>
+          <p:cNvPr id="3" name="Content Placeholder 2">
+            <a:extLst>
+              <a:ext uri="{FF2B5EF4-FFF2-40B4-BE49-F238E27FC236}">
+                <a16:creationId xmlns:a16="http://schemas.microsoft.com/office/drawing/2014/main" id="{4AAFAD20-1F59-4A5C-80DB-FC3A5F6D87E9}"/>
+              </a:ext>
+            </a:extLst>
+          </p:cNvPr>
+          <p:cNvSpPr>
+            <a:spLocks noGrp="1"/>
+          </p:cNvSpPr>
+          <p:nvPr>
+            <p:ph idx="1"/>
+          </p:nvPr>
+        </p:nvSpPr>
+        <p:spPr/>
+        <p:txBody>
+          <a:bodyPr/>
+          <a:lstStyle/>
+          <a:p>
+            <a:endParaRPr lang="en-SE"/>
+          </a:p>
+        </p:txBody>
+      </p:sp>
+      <p:sp>
+        <p:nvSpPr>
+          <p:cNvPr id="4" name="Slide Number Placeholder 3">
+            <a:extLst>
+              <a:ext uri="{FF2B5EF4-FFF2-40B4-BE49-F238E27FC236}">
+                <a16:creationId xmlns:a16="http://schemas.microsoft.com/office/drawing/2014/main" id="{5533215C-5C9E-4183-9CDF-2CA0E83C4793}"/>
+              </a:ext>
+            </a:extLst>
+          </p:cNvPr>
+          <p:cNvSpPr>
+            <a:spLocks noGrp="1"/>
+          </p:cNvSpPr>
+          <p:nvPr>
+            <p:ph type="sldNum" sz="quarter" idx="12"/>
+          </p:nvPr>
+        </p:nvSpPr>
+        <p:spPr/>
+        <p:txBody>
+          <a:bodyPr/>
+          <a:lstStyle/>
+          <a:p>
+            <a:fld id="{5F36C9FC-DA22-1F47-8722-58727A1D436E}" type="slidenum">
+              <a:rPr lang="en-US" smtClean="0">
+                <a:solidFill>
+                  <a:prstClr val="white">
+                    <a:lumMod val="65000"/>
+                    <a:lumOff val="35000"/>
+                  </a:prstClr>
+                </a:solidFill>
+              </a:rPr>
+              <a:pPr/>
+              <a:t>2</a:t>
+            </a:fld>
+            <a:endParaRPr lang="en-US" dirty="0">
+              <a:solidFill>
+                <a:prstClr val="white">
+                  <a:lumMod val="65000"/>
+                  <a:lumOff val="35000"/>
+                </a:prstClr>
+              </a:solidFill>
+            </a:endParaRPr>
+          </a:p>
+        </p:txBody>
+      </p:sp>
+      <p:sp>
+        <p:nvSpPr>
+          <p:cNvPr id="5" name="Rectangle 13">
+            <a:extLst>
+              <a:ext uri="{FF2B5EF4-FFF2-40B4-BE49-F238E27FC236}">
+                <a16:creationId xmlns:a16="http://schemas.microsoft.com/office/drawing/2014/main" id="{44382A09-88C5-4329-B27B-3329AA858C1E}"/>
+              </a:ext>
+            </a:extLst>
+          </p:cNvPr>
+          <p:cNvSpPr>
+            <a:spLocks noChangeArrowheads="1"/>
+          </p:cNvSpPr>
+          <p:nvPr/>
+        </p:nvSpPr>
+        <p:spPr bwMode="auto">
+          <a:xfrm>
+            <a:off x="7266880" y="2533308"/>
+            <a:ext cx="1625600" cy="3352800"/>
+          </a:xfrm>
+          <a:prstGeom prst="rect">
+            <a:avLst/>
+          </a:prstGeom>
+          <a:solidFill>
+            <a:srgbClr val="CCFFFF"/>
+          </a:solidFill>
+          <a:ln w="9525">
+            <a:solidFill>
+              <a:srgbClr val="000000"/>
+            </a:solidFill>
+            <a:miter lim="800000"/>
+            <a:headEnd/>
+            <a:tailEnd/>
+          </a:ln>
+          <a:effectLst/>
+          <a:extLst>
+            <a:ext uri="{AF507438-7753-43e0-B8FC-AC1667EBCBE1}">
+              <a14:hiddenEffects xmlns:a14="http://schemas.microsoft.com/office/drawing/2010/main" xmlns="">
+                <a:effectLst>
+                  <a:outerShdw blurRad="63500" dist="38099" dir="2700000" algn="ctr" rotWithShape="0">
+                    <a:schemeClr val="bg2">
+                      <a:alpha val="74998"/>
+                    </a:schemeClr>
+                  </a:outerShdw>
+                </a:effectLst>
+              </a14:hiddenEffects>
+            </a:ext>
+          </a:extLst>
+        </p:spPr>
+        <p:txBody>
+          <a:bodyPr wrap="none" anchor="ctr"/>
+          <a:lstStyle/>
+          <a:p>
+            <a:pPr>
+              <a:defRPr/>
+            </a:pPr>
+            <a:endParaRPr lang="en-US" sz="1600"/>
+          </a:p>
+        </p:txBody>
+      </p:sp>
+      <p:sp>
+        <p:nvSpPr>
+          <p:cNvPr id="6" name="Rectangle 14">
+            <a:extLst>
+              <a:ext uri="{FF2B5EF4-FFF2-40B4-BE49-F238E27FC236}">
+                <a16:creationId xmlns:a16="http://schemas.microsoft.com/office/drawing/2014/main" id="{9A2ABA65-648E-44ED-9B3E-62FDEB3CA64D}"/>
+              </a:ext>
+            </a:extLst>
+          </p:cNvPr>
+          <p:cNvSpPr>
+            <a:spLocks noChangeArrowheads="1"/>
+          </p:cNvSpPr>
+          <p:nvPr/>
+        </p:nvSpPr>
+        <p:spPr bwMode="auto">
+          <a:xfrm>
+            <a:off x="7266880" y="4681195"/>
+            <a:ext cx="1625600" cy="838200"/>
+          </a:xfrm>
+          <a:prstGeom prst="rect">
+            <a:avLst/>
+          </a:prstGeom>
+          <a:solidFill>
+            <a:srgbClr val="FFFF00"/>
+          </a:solidFill>
+          <a:ln w="9525">
+            <a:solidFill>
+              <a:srgbClr val="000000"/>
+            </a:solidFill>
+            <a:miter lim="800000"/>
+            <a:headEnd/>
+            <a:tailEnd/>
+          </a:ln>
+        </p:spPr>
+        <p:txBody>
+          <a:bodyPr wrap="none" anchor="ctr"/>
+          <a:lstStyle/>
+          <a:p>
+            <a:pPr algn="ctr"/>
+            <a:r>
+              <a:rPr lang="en-US" sz="1600" dirty="0">
+                <a:solidFill>
+                  <a:srgbClr val="000000"/>
+                </a:solidFill>
+              </a:rPr>
+              <a:t>password</a:t>
+            </a:r>
+          </a:p>
+        </p:txBody>
+      </p:sp>
+      <p:sp>
+        <p:nvSpPr>
+          <p:cNvPr id="7" name="Rectangle 16">
+            <a:extLst>
+              <a:ext uri="{FF2B5EF4-FFF2-40B4-BE49-F238E27FC236}">
+                <a16:creationId xmlns:a16="http://schemas.microsoft.com/office/drawing/2014/main" id="{04E3C776-714E-4D1B-A8DA-1C5D1AE59391}"/>
+              </a:ext>
+            </a:extLst>
+          </p:cNvPr>
+          <p:cNvSpPr>
+            <a:spLocks noChangeArrowheads="1"/>
+          </p:cNvSpPr>
+          <p:nvPr/>
+        </p:nvSpPr>
+        <p:spPr bwMode="auto">
+          <a:xfrm>
+            <a:off x="7266880" y="4387509"/>
+            <a:ext cx="1625600" cy="325437"/>
+          </a:xfrm>
+          <a:prstGeom prst="rect">
+            <a:avLst/>
+          </a:prstGeom>
+          <a:solidFill>
+            <a:srgbClr val="FFFF00"/>
+          </a:solidFill>
+          <a:ln w="9525">
+            <a:solidFill>
+              <a:srgbClr val="000000"/>
+            </a:solidFill>
+            <a:miter lim="800000"/>
+            <a:headEnd/>
+            <a:tailEnd/>
+          </a:ln>
+        </p:spPr>
+        <p:txBody>
+          <a:bodyPr wrap="none" anchor="ctr"/>
+          <a:lstStyle/>
+          <a:p>
+            <a:pPr algn="ctr"/>
+            <a:r>
+              <a:rPr lang="en-US" sz="1600" dirty="0" err="1">
+                <a:solidFill>
+                  <a:srgbClr val="000000"/>
+                </a:solidFill>
+              </a:rPr>
+              <a:t>userid</a:t>
+            </a:r>
+            <a:endParaRPr lang="en-US" sz="1600" dirty="0">
+              <a:solidFill>
+                <a:srgbClr val="000000"/>
+              </a:solidFill>
+            </a:endParaRPr>
+          </a:p>
+        </p:txBody>
+      </p:sp>
+      <p:sp>
+        <p:nvSpPr>
+          <p:cNvPr id="8" name="Rectangle 18">
+            <a:extLst>
+              <a:ext uri="{FF2B5EF4-FFF2-40B4-BE49-F238E27FC236}">
+                <a16:creationId xmlns:a16="http://schemas.microsoft.com/office/drawing/2014/main" id="{DA144DAF-BB4A-4CFF-8730-A63AAA969D9E}"/>
+              </a:ext>
+            </a:extLst>
+          </p:cNvPr>
+          <p:cNvSpPr>
+            <a:spLocks noChangeArrowheads="1"/>
+          </p:cNvSpPr>
+          <p:nvPr/>
+        </p:nvSpPr>
+        <p:spPr bwMode="auto">
+          <a:xfrm>
+            <a:off x="7266880" y="4001745"/>
+            <a:ext cx="1625600" cy="381000"/>
+          </a:xfrm>
+          <a:prstGeom prst="rect">
+            <a:avLst/>
+          </a:prstGeom>
+          <a:solidFill>
+            <a:srgbClr val="FFFF00"/>
+          </a:solidFill>
+          <a:ln w="9525">
+            <a:solidFill>
+              <a:schemeClr val="bg2"/>
+            </a:solidFill>
+            <a:miter lim="800000"/>
+            <a:headEnd/>
+            <a:tailEnd/>
+          </a:ln>
+        </p:spPr>
+        <p:txBody>
+          <a:bodyPr wrap="none" anchor="ctr"/>
+          <a:lstStyle/>
+          <a:p>
+            <a:pPr algn="ctr"/>
+            <a:r>
+              <a:rPr lang="en-US" sz="1600" dirty="0" err="1">
+                <a:solidFill>
+                  <a:srgbClr val="000000"/>
+                </a:solidFill>
+              </a:rPr>
+              <a:t>passwordok</a:t>
+            </a:r>
+            <a:endParaRPr lang="en-US" sz="1600" dirty="0">
+              <a:solidFill>
+                <a:srgbClr val="000000"/>
+              </a:solidFill>
+            </a:endParaRPr>
+          </a:p>
+        </p:txBody>
+      </p:sp>
+      <p:sp>
+        <p:nvSpPr>
+          <p:cNvPr id="9" name="Rectangle 21">
+            <a:extLst>
+              <a:ext uri="{FF2B5EF4-FFF2-40B4-BE49-F238E27FC236}">
+                <a16:creationId xmlns:a16="http://schemas.microsoft.com/office/drawing/2014/main" id="{027F6E53-F886-4A4A-9B89-03869763C07F}"/>
+              </a:ext>
+            </a:extLst>
+          </p:cNvPr>
+          <p:cNvSpPr>
+            <a:spLocks noChangeArrowheads="1"/>
+          </p:cNvSpPr>
+          <p:nvPr/>
+        </p:nvSpPr>
+        <p:spPr bwMode="auto">
+          <a:xfrm>
+            <a:off x="7266880" y="3269908"/>
+            <a:ext cx="1625600" cy="381000"/>
+          </a:xfrm>
+          <a:prstGeom prst="rect">
+            <a:avLst/>
+          </a:prstGeom>
+          <a:solidFill>
+            <a:srgbClr val="FFFF00"/>
+          </a:solidFill>
+          <a:ln w="9525">
+            <a:solidFill>
+              <a:srgbClr val="000000"/>
+            </a:solidFill>
+            <a:miter lim="800000"/>
+            <a:headEnd/>
+            <a:tailEnd/>
+          </a:ln>
+        </p:spPr>
+        <p:txBody>
+          <a:bodyPr wrap="none" anchor="ctr"/>
+          <a:lstStyle/>
+          <a:p>
+            <a:pPr algn="ctr"/>
+            <a:r>
+              <a:rPr lang="en-US" sz="1600" dirty="0">
+                <a:solidFill>
+                  <a:srgbClr val="000000"/>
+                </a:solidFill>
+              </a:rPr>
+              <a:t>ret. </a:t>
+            </a:r>
+            <a:r>
+              <a:rPr lang="en-US" sz="1600" dirty="0" err="1">
+                <a:solidFill>
+                  <a:srgbClr val="000000"/>
+                </a:solidFill>
+              </a:rPr>
+              <a:t>Addr</a:t>
+            </a:r>
+            <a:r>
+              <a:rPr lang="en-US" sz="1600" dirty="0">
+                <a:solidFill>
+                  <a:srgbClr val="000000"/>
+                </a:solidFill>
+              </a:rPr>
+              <a:t>.</a:t>
+            </a:r>
+          </a:p>
+        </p:txBody>
+      </p:sp>
+      <p:sp>
+        <p:nvSpPr>
+          <p:cNvPr id="10" name="Rectangle 27">
+            <a:extLst>
+              <a:ext uri="{FF2B5EF4-FFF2-40B4-BE49-F238E27FC236}">
+                <a16:creationId xmlns:a16="http://schemas.microsoft.com/office/drawing/2014/main" id="{173AA835-36F8-482D-B9E1-945674E96E25}"/>
+              </a:ext>
+            </a:extLst>
+          </p:cNvPr>
+          <p:cNvSpPr>
+            <a:spLocks noChangeArrowheads="1"/>
+          </p:cNvSpPr>
+          <p:nvPr/>
+        </p:nvSpPr>
+        <p:spPr bwMode="auto">
+          <a:xfrm>
+            <a:off x="7266881" y="2538069"/>
+            <a:ext cx="1625600" cy="381000"/>
+          </a:xfrm>
+          <a:prstGeom prst="rect">
+            <a:avLst/>
+          </a:prstGeom>
+          <a:solidFill>
+            <a:srgbClr val="CCFFFF"/>
+          </a:solidFill>
+          <a:ln w="9525">
+            <a:solidFill>
+              <a:schemeClr val="tx1"/>
+            </a:solidFill>
+            <a:miter lim="800000"/>
+            <a:headEnd/>
+            <a:tailEnd/>
+          </a:ln>
+          <a:effectLst/>
+          <a:extLst>
+            <a:ext uri="{AF507438-7753-43e0-B8FC-AC1667EBCBE1}">
+              <a14:hiddenEffects xmlns:a14="http://schemas.microsoft.com/office/drawing/2010/main" xmlns="">
+                <a:effectLst>
+                  <a:outerShdw blurRad="63500" dist="38099" dir="2700000" algn="ctr" rotWithShape="0">
+                    <a:schemeClr val="bg2">
+                      <a:alpha val="74998"/>
+                    </a:schemeClr>
+                  </a:outerShdw>
+                </a:effectLst>
+              </a14:hiddenEffects>
+            </a:ext>
+          </a:extLst>
+        </p:spPr>
+        <p:txBody>
+          <a:bodyPr wrap="none" anchor="ctr"/>
+          <a:lstStyle/>
+          <a:p>
+            <a:pPr algn="ctr">
+              <a:defRPr/>
+            </a:pPr>
+            <a:r>
+              <a:rPr lang="en-US" sz="1600" dirty="0">
+                <a:solidFill>
+                  <a:schemeClr val="bg2"/>
+                </a:solidFill>
+              </a:rPr>
+              <a:t>…</a:t>
+            </a:r>
+          </a:p>
+        </p:txBody>
+      </p:sp>
+      <p:sp>
+        <p:nvSpPr>
+          <p:cNvPr id="11" name="Rectangle 21">
+            <a:extLst>
+              <a:ext uri="{FF2B5EF4-FFF2-40B4-BE49-F238E27FC236}">
+                <a16:creationId xmlns:a16="http://schemas.microsoft.com/office/drawing/2014/main" id="{B3A3605C-EC6E-497E-9F58-078827423EC8}"/>
+              </a:ext>
+            </a:extLst>
+          </p:cNvPr>
+          <p:cNvSpPr>
+            <a:spLocks noChangeArrowheads="1"/>
+          </p:cNvSpPr>
+          <p:nvPr/>
+        </p:nvSpPr>
+        <p:spPr bwMode="auto">
+          <a:xfrm>
+            <a:off x="7266880" y="3655671"/>
+            <a:ext cx="1625600" cy="360363"/>
+          </a:xfrm>
+          <a:prstGeom prst="rect">
+            <a:avLst/>
+          </a:prstGeom>
+          <a:solidFill>
+            <a:srgbClr val="FFFF00"/>
+          </a:solidFill>
+          <a:ln w="9525">
+            <a:solidFill>
+              <a:srgbClr val="000000"/>
+            </a:solidFill>
+            <a:miter lim="800000"/>
+            <a:headEnd/>
+            <a:tailEnd/>
+          </a:ln>
+        </p:spPr>
+        <p:txBody>
+          <a:bodyPr wrap="none" anchor="ctr"/>
+          <a:lstStyle/>
+          <a:p>
+            <a:pPr algn="ctr"/>
+            <a:endParaRPr lang="en-US" sz="1600">
+              <a:solidFill>
+                <a:srgbClr val="000000"/>
+              </a:solidFill>
+            </a:endParaRPr>
+          </a:p>
+        </p:txBody>
+      </p:sp>
+      <p:sp>
+        <p:nvSpPr>
+          <p:cNvPr id="12" name="Rectangle 21">
+            <a:extLst>
+              <a:ext uri="{FF2B5EF4-FFF2-40B4-BE49-F238E27FC236}">
+                <a16:creationId xmlns:a16="http://schemas.microsoft.com/office/drawing/2014/main" id="{74F369FF-C7E3-4F80-87F7-E5131C7BED4D}"/>
+              </a:ext>
+            </a:extLst>
+          </p:cNvPr>
+          <p:cNvSpPr>
+            <a:spLocks noChangeArrowheads="1"/>
+          </p:cNvSpPr>
+          <p:nvPr/>
+        </p:nvSpPr>
+        <p:spPr bwMode="auto">
+          <a:xfrm>
+            <a:off x="7266880" y="3655670"/>
+            <a:ext cx="1625600" cy="381000"/>
+          </a:xfrm>
+          <a:prstGeom prst="rect">
+            <a:avLst/>
+          </a:prstGeom>
+          <a:solidFill>
+            <a:srgbClr val="FF0000"/>
+          </a:solidFill>
+          <a:ln w="9525">
+            <a:solidFill>
+              <a:srgbClr val="000000"/>
+            </a:solidFill>
+            <a:miter lim="800000"/>
+            <a:headEnd/>
+            <a:tailEnd/>
+          </a:ln>
+        </p:spPr>
+        <p:txBody>
+          <a:bodyPr wrap="none" anchor="ctr"/>
+          <a:lstStyle/>
+          <a:p>
+            <a:pPr algn="ctr"/>
+            <a:r>
+              <a:rPr lang="en-US" sz="1600" dirty="0">
+                <a:solidFill>
+                  <a:srgbClr val="000000"/>
+                </a:solidFill>
+              </a:rPr>
+              <a:t>Canary</a:t>
+            </a:r>
+          </a:p>
+        </p:txBody>
+      </p:sp>
+    </p:spTree>
+    <p:extLst>
+      <p:ext uri="{BB962C8B-B14F-4D97-AF65-F5344CB8AC3E}">
+        <p14:creationId xmlns:p14="http://schemas.microsoft.com/office/powerpoint/2010/main" val="1973014522"/>
+      </p:ext>
+    </p:extLst>
+  </p:cSld>
+  <p:clrMapOvr>
+    <a:masterClrMapping/>
+  </p:clrMapOvr>
+  <p:transition spd="slow"/>
+</p:sld>
+</file>
+
+<file path=ppt/slides/slide20.xml><?xml version="1.0" encoding="utf-8"?>
 <p:sld xmlns:a="http://schemas.openxmlformats.org/drawingml/2006/main" xmlns:r="http://schemas.openxmlformats.org/officeDocument/2006/relationships" xmlns:p="http://schemas.openxmlformats.org/presentationml/2006/main">
   <p:cSld>
     <p:spTree>
@@ -30114,7 +32073,7 @@
                 </a:solidFill>
               </a:rPr>
               <a:pPr/>
-              <a:t>19</a:t>
+              <a:t>20</a:t>
             </a:fld>
             <a:endParaRPr lang="en-US" dirty="0">
               <a:solidFill>
@@ -30136,210 +32095,7 @@
 </p:sld>
 </file>
 
-<file path=ppt/slides/slide2.xml><?xml version="1.0" encoding="utf-8"?>
-<p:sld xmlns:a="http://schemas.openxmlformats.org/drawingml/2006/main" xmlns:r="http://schemas.openxmlformats.org/officeDocument/2006/relationships" xmlns:p="http://schemas.openxmlformats.org/presentationml/2006/main">
-  <p:cSld>
-    <p:spTree>
-      <p:nvGrpSpPr>
-        <p:cNvPr id="1" name=""/>
-        <p:cNvGrpSpPr/>
-        <p:nvPr/>
-      </p:nvGrpSpPr>
-      <p:grpSpPr>
-        <a:xfrm>
-          <a:off x="0" y="0"/>
-          <a:ext cx="0" cy="0"/>
-          <a:chOff x="0" y="0"/>
-          <a:chExt cx="0" cy="0"/>
-        </a:xfrm>
-      </p:grpSpPr>
-      <p:sp>
-        <p:nvSpPr>
-          <p:cNvPr id="200706" name="Rectangle 2"/>
-          <p:cNvSpPr>
-            <a:spLocks noGrp="1" noChangeArrowheads="1"/>
-          </p:cNvSpPr>
-          <p:nvPr>
-            <p:ph type="title"/>
-          </p:nvPr>
-        </p:nvSpPr>
-        <p:spPr>
-          <a:xfrm>
-            <a:off x="457200" y="44624"/>
-            <a:ext cx="8229600" cy="1267544"/>
-          </a:xfrm>
-        </p:spPr>
-        <p:txBody>
-          <a:bodyPr/>
-          <a:lstStyle/>
-          <a:p>
-            <a:r>
-              <a:rPr lang="en-GB" dirty="0">
-                <a:solidFill>
-                  <a:srgbClr val="FFB91D"/>
-                </a:solidFill>
-              </a:rPr>
-              <a:t>Buffer Overflow</a:t>
-            </a:r>
-            <a:endParaRPr lang="en-AU" dirty="0">
-              <a:solidFill>
-                <a:srgbClr val="FFB91D"/>
-              </a:solidFill>
-            </a:endParaRPr>
-          </a:p>
-        </p:txBody>
-      </p:sp>
-      <p:sp>
-        <p:nvSpPr>
-          <p:cNvPr id="200707" name="Rectangle 3"/>
-          <p:cNvSpPr>
-            <a:spLocks noGrp="1" noChangeArrowheads="1"/>
-          </p:cNvSpPr>
-          <p:nvPr>
-            <p:ph idx="1"/>
-          </p:nvPr>
-        </p:nvSpPr>
-        <p:spPr>
-          <a:xfrm>
-            <a:off x="395536" y="1412776"/>
-            <a:ext cx="8568952" cy="5174035"/>
-          </a:xfrm>
-        </p:spPr>
-        <p:txBody>
-          <a:bodyPr>
-            <a:normAutofit/>
-          </a:bodyPr>
-          <a:lstStyle/>
-          <a:p>
-            <a:pPr>
-              <a:spcAft>
-                <a:spcPts val="600"/>
-              </a:spcAft>
-            </a:pPr>
-            <a:r>
-              <a:rPr lang="en-AU" sz="3600" dirty="0"/>
-              <a:t>A very common attack mechanism</a:t>
-            </a:r>
-          </a:p>
-          <a:p>
-            <a:pPr lvl="1">
-              <a:spcAft>
-                <a:spcPts val="600"/>
-              </a:spcAft>
-            </a:pPr>
-            <a:r>
-              <a:rPr lang="en-AU" sz="2400" dirty="0"/>
-              <a:t>First used by the Morris Worm in 1988</a:t>
-            </a:r>
-          </a:p>
-          <a:p>
-            <a:pPr>
-              <a:spcAft>
-                <a:spcPts val="600"/>
-              </a:spcAft>
-            </a:pPr>
-            <a:r>
-              <a:rPr lang="en-AU" sz="3600" dirty="0"/>
-              <a:t>Still of major concern</a:t>
-            </a:r>
-          </a:p>
-          <a:p>
-            <a:pPr lvl="1">
-              <a:spcAft>
-                <a:spcPts val="600"/>
-              </a:spcAft>
-            </a:pPr>
-            <a:r>
-              <a:rPr lang="en-AU" sz="2400" dirty="0"/>
-              <a:t>Legacy of buggy code in widely deployed operating systems and applications</a:t>
-            </a:r>
-          </a:p>
-          <a:p>
-            <a:pPr lvl="1">
-              <a:spcAft>
-                <a:spcPts val="600"/>
-              </a:spcAft>
-            </a:pPr>
-            <a:r>
-              <a:rPr lang="en-AU" sz="2400" dirty="0"/>
-              <a:t>Continued careless programming practices by programmers</a:t>
-            </a:r>
-          </a:p>
-          <a:p>
-            <a:pPr lvl="1"/>
-            <a:endParaRPr lang="en-US" altLang="zh-CN" dirty="0"/>
-          </a:p>
-          <a:p>
-            <a:endParaRPr lang="en-US" altLang="zh-CN" dirty="0"/>
-          </a:p>
-          <a:p>
-            <a:pPr>
-              <a:spcAft>
-                <a:spcPts val="600"/>
-              </a:spcAft>
-            </a:pPr>
-            <a:endParaRPr lang="en-AU" sz="3200" dirty="0"/>
-          </a:p>
-          <a:p>
-            <a:pPr>
-              <a:buFont typeface="Wingdings" pitchFamily="-110" charset="2"/>
-              <a:buNone/>
-            </a:pPr>
-            <a:endParaRPr lang="en-AU" dirty="0">
-              <a:effectLst/>
-              <a:latin typeface="Times" pitchFamily="-110" charset="0"/>
-            </a:endParaRPr>
-          </a:p>
-        </p:txBody>
-      </p:sp>
-      <p:sp>
-        <p:nvSpPr>
-          <p:cNvPr id="2" name="灯片编号占位符 1"/>
-          <p:cNvSpPr>
-            <a:spLocks noGrp="1"/>
-          </p:cNvSpPr>
-          <p:nvPr>
-            <p:ph type="sldNum" sz="quarter" idx="12"/>
-          </p:nvPr>
-        </p:nvSpPr>
-        <p:spPr/>
-        <p:txBody>
-          <a:bodyPr/>
-          <a:lstStyle/>
-          <a:p>
-            <a:fld id="{5F36C9FC-DA22-1F47-8722-58727A1D436E}" type="slidenum">
-              <a:rPr lang="en-US" smtClean="0">
-                <a:solidFill>
-                  <a:prstClr val="white">
-                    <a:lumMod val="65000"/>
-                    <a:lumOff val="35000"/>
-                  </a:prstClr>
-                </a:solidFill>
-              </a:rPr>
-              <a:pPr/>
-              <a:t>2</a:t>
-            </a:fld>
-            <a:endParaRPr lang="en-US" dirty="0">
-              <a:solidFill>
-                <a:prstClr val="white">
-                  <a:lumMod val="65000"/>
-                  <a:lumOff val="35000"/>
-                </a:prstClr>
-              </a:solidFill>
-            </a:endParaRPr>
-          </a:p>
-        </p:txBody>
-      </p:sp>
-    </p:spTree>
-  </p:cSld>
-  <p:clrMapOvr>
-    <a:masterClrMapping/>
-  </p:clrMapOvr>
-  <p:transition spd="slow"/>
-</p:sld>
-</file>
-
-<file path=ppt/slides/slide20.xml><?xml version="1.0" encoding="utf-8"?>
+<file path=ppt/slides/slide21.xml><?xml version="1.0" encoding="utf-8"?>
 <p:sld xmlns:a="http://schemas.openxmlformats.org/drawingml/2006/main" xmlns:r="http://schemas.openxmlformats.org/officeDocument/2006/relationships" xmlns:p="http://schemas.openxmlformats.org/presentationml/2006/main">
   <p:cSld>
     <p:spTree>
@@ -30452,7 +32208,7 @@
                 </a:solidFill>
               </a:rPr>
               <a:pPr/>
-              <a:t>20</a:t>
+              <a:t>21</a:t>
             </a:fld>
             <a:endParaRPr lang="en-US" dirty="0">
               <a:solidFill>
@@ -30559,7 +32315,7 @@
 </p:sld>
 </file>
 
-<file path=ppt/slides/slide21.xml><?xml version="1.0" encoding="utf-8"?>
+<file path=ppt/slides/slide22.xml><?xml version="1.0" encoding="utf-8"?>
 <p:sld xmlns:a="http://schemas.openxmlformats.org/drawingml/2006/main" xmlns:r="http://schemas.openxmlformats.org/officeDocument/2006/relationships" xmlns:p="http://schemas.openxmlformats.org/presentationml/2006/main">
   <p:cSld>
     <p:spTree>
@@ -30749,7 +32505,7 @@
                 </a:solidFill>
               </a:rPr>
               <a:pPr/>
-              <a:t>21</a:t>
+              <a:t>22</a:t>
             </a:fld>
             <a:endParaRPr lang="en-US" dirty="0">
               <a:solidFill>
@@ -30771,7 +32527,7 @@
 </p:sld>
 </file>
 
-<file path=ppt/slides/slide22.xml><?xml version="1.0" encoding="utf-8"?>
+<file path=ppt/slides/slide23.xml><?xml version="1.0" encoding="utf-8"?>
 <p:sld xmlns:a="http://schemas.openxmlformats.org/drawingml/2006/main" xmlns:r="http://schemas.openxmlformats.org/officeDocument/2006/relationships" xmlns:p="http://schemas.openxmlformats.org/presentationml/2006/main">
   <p:cSld>
     <p:spTree>
@@ -30926,7 +32682,7 @@
                 </a:solidFill>
               </a:rPr>
               <a:pPr/>
-              <a:t>22</a:t>
+              <a:t>23</a:t>
             </a:fld>
             <a:endParaRPr lang="en-US" dirty="0">
               <a:solidFill>
@@ -31172,7 +32928,7 @@
 </p:sld>
 </file>
 
-<file path=ppt/slides/slide23.xml><?xml version="1.0" encoding="utf-8"?>
+<file path=ppt/slides/slide24.xml><?xml version="1.0" encoding="utf-8"?>
 <p:sld xmlns:a="http://schemas.openxmlformats.org/drawingml/2006/main" xmlns:r="http://schemas.openxmlformats.org/officeDocument/2006/relationships" xmlns:p="http://schemas.openxmlformats.org/presentationml/2006/main">
   <p:cSld>
     <p:spTree>
@@ -31347,7 +33103,7 @@
                 </a:solidFill>
               </a:rPr>
               <a:pPr/>
-              <a:t>23</a:t>
+              <a:t>24</a:t>
             </a:fld>
             <a:endParaRPr lang="en-US" dirty="0">
               <a:solidFill>
@@ -31369,7 +33125,7 @@
 </p:sld>
 </file>
 
-<file path=ppt/slides/slide24.xml><?xml version="1.0" encoding="utf-8"?>
+<file path=ppt/slides/slide25.xml><?xml version="1.0" encoding="utf-8"?>
 <p:sld xmlns:a="http://schemas.openxmlformats.org/drawingml/2006/main" xmlns:r="http://schemas.openxmlformats.org/officeDocument/2006/relationships" xmlns:p="http://schemas.openxmlformats.org/presentationml/2006/main">
   <p:cSld>
     <p:spTree>
@@ -31517,7 +33273,7 @@
               <a:pPr>
                 <a:defRPr/>
               </a:pPr>
-              <a:t>24</a:t>
+              <a:t>25</a:t>
             </a:fld>
             <a:endParaRPr lang="en-US" altLang="zh-CN"/>
           </a:p>
@@ -31776,7 +33532,7 @@
 </p:sld>
 </file>
 
-<file path=ppt/slides/slide25.xml><?xml version="1.0" encoding="utf-8"?>
+<file path=ppt/slides/slide26.xml><?xml version="1.0" encoding="utf-8"?>
 <p:sld xmlns:a="http://schemas.openxmlformats.org/drawingml/2006/main" xmlns:r="http://schemas.openxmlformats.org/officeDocument/2006/relationships" xmlns:p="http://schemas.openxmlformats.org/presentationml/2006/main">
   <p:cSld>
     <p:spTree>
@@ -32017,7 +33773,7 @@
                 </a:solidFill>
               </a:rPr>
               <a:pPr/>
-              <a:t>25</a:t>
+              <a:t>26</a:t>
             </a:fld>
             <a:endParaRPr lang="en-US" dirty="0">
               <a:solidFill>
@@ -32044,7 +33800,7 @@
 </p:sld>
 </file>
 
-<file path=ppt/slides/slide26.xml><?xml version="1.0" encoding="utf-8"?>
+<file path=ppt/slides/slide27.xml><?xml version="1.0" encoding="utf-8"?>
 <p:sld xmlns:a="http://schemas.openxmlformats.org/drawingml/2006/main" xmlns:r="http://schemas.openxmlformats.org/officeDocument/2006/relationships" xmlns:p="http://schemas.openxmlformats.org/presentationml/2006/main">
   <p:cSld>
     <p:spTree>
@@ -32914,7 +34670,7 @@
               <a:pPr>
                 <a:defRPr/>
               </a:pPr>
-              <a:t>26</a:t>
+              <a:t>27</a:t>
             </a:fld>
             <a:endParaRPr lang="en-US" altLang="zh-CN" dirty="0"/>
           </a:p>
@@ -33184,7 +34940,7 @@
 </p:sld>
 </file>
 
-<file path=ppt/slides/slide27.xml><?xml version="1.0" encoding="utf-8"?>
+<file path=ppt/slides/slide28.xml><?xml version="1.0" encoding="utf-8"?>
 <p:sld xmlns:a="http://schemas.openxmlformats.org/drawingml/2006/main" xmlns:r="http://schemas.openxmlformats.org/officeDocument/2006/relationships" xmlns:p="http://schemas.openxmlformats.org/presentationml/2006/main">
   <p:cSld>
     <p:spTree>
@@ -33490,7 +35246,7 @@
                 </a:solidFill>
               </a:rPr>
               <a:pPr/>
-              <a:t>27</a:t>
+              <a:t>28</a:t>
             </a:fld>
             <a:endParaRPr lang="en-US" dirty="0">
               <a:solidFill>
@@ -34545,7 +36301,7 @@
 </p:sld>
 </file>
 
-<file path=ppt/slides/slide28.xml><?xml version="1.0" encoding="utf-8"?>
+<file path=ppt/slides/slide29.xml><?xml version="1.0" encoding="utf-8"?>
 <p:sld xmlns:a="http://schemas.openxmlformats.org/drawingml/2006/main" xmlns:r="http://schemas.openxmlformats.org/officeDocument/2006/relationships" xmlns:p="http://schemas.openxmlformats.org/presentationml/2006/main">
   <p:cSld>
     <p:spTree>
@@ -34675,7 +36431,7 @@
                 </a:solidFill>
               </a:rPr>
               <a:pPr/>
-              <a:t>28</a:t>
+              <a:t>29</a:t>
             </a:fld>
             <a:endParaRPr lang="en-US" dirty="0">
               <a:solidFill>
@@ -35108,6 +36864,209 @@
       </p:grpSpPr>
       <p:sp>
         <p:nvSpPr>
+          <p:cNvPr id="200706" name="Rectangle 2"/>
+          <p:cNvSpPr>
+            <a:spLocks noGrp="1" noChangeArrowheads="1"/>
+          </p:cNvSpPr>
+          <p:nvPr>
+            <p:ph type="title"/>
+          </p:nvPr>
+        </p:nvSpPr>
+        <p:spPr>
+          <a:xfrm>
+            <a:off x="457200" y="44624"/>
+            <a:ext cx="8229600" cy="1267544"/>
+          </a:xfrm>
+        </p:spPr>
+        <p:txBody>
+          <a:bodyPr/>
+          <a:lstStyle/>
+          <a:p>
+            <a:r>
+              <a:rPr lang="en-GB" dirty="0">
+                <a:solidFill>
+                  <a:srgbClr val="FFB91D"/>
+                </a:solidFill>
+              </a:rPr>
+              <a:t>Buffer Overflow</a:t>
+            </a:r>
+            <a:endParaRPr lang="en-AU" dirty="0">
+              <a:solidFill>
+                <a:srgbClr val="FFB91D"/>
+              </a:solidFill>
+            </a:endParaRPr>
+          </a:p>
+        </p:txBody>
+      </p:sp>
+      <p:sp>
+        <p:nvSpPr>
+          <p:cNvPr id="200707" name="Rectangle 3"/>
+          <p:cNvSpPr>
+            <a:spLocks noGrp="1" noChangeArrowheads="1"/>
+          </p:cNvSpPr>
+          <p:nvPr>
+            <p:ph idx="1"/>
+          </p:nvPr>
+        </p:nvSpPr>
+        <p:spPr>
+          <a:xfrm>
+            <a:off x="395536" y="1412776"/>
+            <a:ext cx="8568952" cy="5174035"/>
+          </a:xfrm>
+        </p:spPr>
+        <p:txBody>
+          <a:bodyPr>
+            <a:normAutofit/>
+          </a:bodyPr>
+          <a:lstStyle/>
+          <a:p>
+            <a:pPr>
+              <a:spcAft>
+                <a:spcPts val="600"/>
+              </a:spcAft>
+            </a:pPr>
+            <a:r>
+              <a:rPr lang="en-AU" sz="3600" dirty="0"/>
+              <a:t>A very common attack mechanism</a:t>
+            </a:r>
+          </a:p>
+          <a:p>
+            <a:pPr lvl="1">
+              <a:spcAft>
+                <a:spcPts val="600"/>
+              </a:spcAft>
+            </a:pPr>
+            <a:r>
+              <a:rPr lang="en-AU" sz="2400" dirty="0"/>
+              <a:t>First used by the Morris Worm in 1988</a:t>
+            </a:r>
+          </a:p>
+          <a:p>
+            <a:pPr>
+              <a:spcAft>
+                <a:spcPts val="600"/>
+              </a:spcAft>
+            </a:pPr>
+            <a:r>
+              <a:rPr lang="en-AU" sz="3600" dirty="0"/>
+              <a:t>Still of major concern</a:t>
+            </a:r>
+          </a:p>
+          <a:p>
+            <a:pPr lvl="1">
+              <a:spcAft>
+                <a:spcPts val="600"/>
+              </a:spcAft>
+            </a:pPr>
+            <a:r>
+              <a:rPr lang="en-AU" sz="2400" dirty="0"/>
+              <a:t>Legacy of buggy code in widely deployed operating systems and applications</a:t>
+            </a:r>
+          </a:p>
+          <a:p>
+            <a:pPr lvl="1">
+              <a:spcAft>
+                <a:spcPts val="600"/>
+              </a:spcAft>
+            </a:pPr>
+            <a:r>
+              <a:rPr lang="en-AU" sz="2400" dirty="0"/>
+              <a:t>Continued careless programming practices by programmers</a:t>
+            </a:r>
+          </a:p>
+          <a:p>
+            <a:pPr lvl="1"/>
+            <a:endParaRPr lang="en-US" altLang="zh-CN" dirty="0"/>
+          </a:p>
+          <a:p>
+            <a:endParaRPr lang="en-US" altLang="zh-CN" dirty="0"/>
+          </a:p>
+          <a:p>
+            <a:pPr>
+              <a:spcAft>
+                <a:spcPts val="600"/>
+              </a:spcAft>
+            </a:pPr>
+            <a:endParaRPr lang="en-AU" sz="3200" dirty="0"/>
+          </a:p>
+          <a:p>
+            <a:pPr>
+              <a:buFont typeface="Wingdings" pitchFamily="-110" charset="2"/>
+              <a:buNone/>
+            </a:pPr>
+            <a:endParaRPr lang="en-AU" dirty="0">
+              <a:effectLst/>
+              <a:latin typeface="Times" pitchFamily="-110" charset="0"/>
+            </a:endParaRPr>
+          </a:p>
+        </p:txBody>
+      </p:sp>
+      <p:sp>
+        <p:nvSpPr>
+          <p:cNvPr id="2" name="灯片编号占位符 1"/>
+          <p:cNvSpPr>
+            <a:spLocks noGrp="1"/>
+          </p:cNvSpPr>
+          <p:nvPr>
+            <p:ph type="sldNum" sz="quarter" idx="12"/>
+          </p:nvPr>
+        </p:nvSpPr>
+        <p:spPr/>
+        <p:txBody>
+          <a:bodyPr/>
+          <a:lstStyle/>
+          <a:p>
+            <a:fld id="{5F36C9FC-DA22-1F47-8722-58727A1D436E}" type="slidenum">
+              <a:rPr lang="en-US" smtClean="0">
+                <a:solidFill>
+                  <a:prstClr val="white">
+                    <a:lumMod val="65000"/>
+                    <a:lumOff val="35000"/>
+                  </a:prstClr>
+                </a:solidFill>
+              </a:rPr>
+              <a:pPr/>
+              <a:t>3</a:t>
+            </a:fld>
+            <a:endParaRPr lang="en-US" dirty="0">
+              <a:solidFill>
+                <a:prstClr val="white">
+                  <a:lumMod val="65000"/>
+                  <a:lumOff val="35000"/>
+                </a:prstClr>
+              </a:solidFill>
+            </a:endParaRPr>
+          </a:p>
+        </p:txBody>
+      </p:sp>
+    </p:spTree>
+  </p:cSld>
+  <p:clrMapOvr>
+    <a:masterClrMapping/>
+  </p:clrMapOvr>
+  <p:transition spd="slow"/>
+</p:sld>
+</file>
+
+<file path=ppt/slides/slide4.xml><?xml version="1.0" encoding="utf-8"?>
+<p:sld xmlns:a="http://schemas.openxmlformats.org/drawingml/2006/main" xmlns:r="http://schemas.openxmlformats.org/officeDocument/2006/relationships" xmlns:p="http://schemas.openxmlformats.org/presentationml/2006/main">
+  <p:cSld>
+    <p:spTree>
+      <p:nvGrpSpPr>
+        <p:cNvPr id="1" name=""/>
+        <p:cNvGrpSpPr/>
+        <p:nvPr/>
+      </p:nvGrpSpPr>
+      <p:grpSpPr>
+        <a:xfrm>
+          <a:off x="0" y="0"/>
+          <a:ext cx="0" cy="0"/>
+          <a:chOff x="0" y="0"/>
+          <a:chExt cx="0" cy="0"/>
+        </a:xfrm>
+      </p:grpSpPr>
+      <p:sp>
+        <p:nvSpPr>
           <p:cNvPr id="2" name="Title 1"/>
           <p:cNvSpPr>
             <a:spLocks noGrp="1"/>
@@ -35294,7 +37253,7 @@
                 </a:solidFill>
               </a:rPr>
               <a:pPr/>
-              <a:t>3</a:t>
+              <a:t>4</a:t>
             </a:fld>
             <a:endParaRPr lang="en-US" dirty="0">
               <a:solidFill>
@@ -35316,7 +37275,7 @@
 </p:sld>
 </file>
 
-<file path=ppt/slides/slide4.xml><?xml version="1.0" encoding="utf-8"?>
+<file path=ppt/slides/slide5.xml><?xml version="1.0" encoding="utf-8"?>
 <p:sld xmlns:a="http://schemas.openxmlformats.org/drawingml/2006/main" xmlns:r="http://schemas.openxmlformats.org/officeDocument/2006/relationships" xmlns:p="http://schemas.openxmlformats.org/presentationml/2006/main">
   <p:cSld>
     <p:spTree>
@@ -35512,7 +37471,7 @@
                 </a:solidFill>
               </a:rPr>
               <a:pPr/>
-              <a:t>4</a:t>
+              <a:t>5</a:t>
             </a:fld>
             <a:endParaRPr lang="en-US" dirty="0">
               <a:solidFill>
@@ -35564,7 +37523,7 @@
 </p:sld>
 </file>
 
-<file path=ppt/slides/slide5.xml><?xml version="1.0" encoding="utf-8"?>
+<file path=ppt/slides/slide6.xml><?xml version="1.0" encoding="utf-8"?>
 <p:sld xmlns:a="http://schemas.openxmlformats.org/drawingml/2006/main" xmlns:r="http://schemas.openxmlformats.org/officeDocument/2006/relationships" xmlns:p="http://schemas.openxmlformats.org/presentationml/2006/main">
   <p:cSld>
     <p:spTree>
@@ -35737,7 +37696,7 @@
                 </a:solidFill>
               </a:rPr>
               <a:pPr/>
-              <a:t>5</a:t>
+              <a:t>6</a:t>
             </a:fld>
             <a:endParaRPr lang="en-US" dirty="0">
               <a:solidFill>
@@ -35759,7 +37718,7 @@
 </p:sld>
 </file>
 
-<file path=ppt/slides/slide6.xml><?xml version="1.0" encoding="utf-8"?>
+<file path=ppt/slides/slide7.xml><?xml version="1.0" encoding="utf-8"?>
 <p:sld xmlns:a="http://schemas.openxmlformats.org/drawingml/2006/main" xmlns:r="http://schemas.openxmlformats.org/officeDocument/2006/relationships" xmlns:p="http://schemas.openxmlformats.org/presentationml/2006/main">
   <p:cSld>
     <p:spTree>
@@ -36021,7 +37980,7 @@
                 </a:solidFill>
               </a:rPr>
               <a:pPr/>
-              <a:t>6</a:t>
+              <a:t>7</a:t>
             </a:fld>
             <a:endParaRPr lang="en-US" dirty="0">
               <a:solidFill>
@@ -36073,7 +38032,7 @@
 </p:sld>
 </file>
 
-<file path=ppt/slides/slide7.xml><?xml version="1.0" encoding="utf-8"?>
+<file path=ppt/slides/slide8.xml><?xml version="1.0" encoding="utf-8"?>
 <p:sld xmlns:a="http://schemas.openxmlformats.org/drawingml/2006/main" xmlns:r="http://schemas.openxmlformats.org/officeDocument/2006/relationships" xmlns:p="http://schemas.openxmlformats.org/presentationml/2006/main">
   <p:cSld>
     <p:spTree>
@@ -36234,7 +38193,7 @@
               <a:pPr>
                 <a:defRPr/>
               </a:pPr>
-              <a:t>7</a:t>
+              <a:t>8</a:t>
             </a:fld>
             <a:endParaRPr lang="en-US" altLang="zh-CN"/>
           </a:p>
@@ -36444,7 +38403,7 @@
 </p:sld>
 </file>
 
-<file path=ppt/slides/slide8.xml><?xml version="1.0" encoding="utf-8"?>
+<file path=ppt/slides/slide9.xml><?xml version="1.0" encoding="utf-8"?>
 <p:sld xmlns:a="http://schemas.openxmlformats.org/drawingml/2006/main" xmlns:r="http://schemas.openxmlformats.org/officeDocument/2006/relationships" xmlns:p="http://schemas.openxmlformats.org/presentationml/2006/main">
   <p:cSld>
     <p:spTree>
@@ -36487,7 +38446,7 @@
             <a:fld id="{692C5C6B-4C09-4C02-B26B-F3DDBB5D5E4D}" type="slidenum">
               <a:rPr lang="en-US" altLang="zh-CN"/>
               <a:pPr/>
-              <a:t>8</a:t>
+              <a:t>9</a:t>
             </a:fld>
             <a:endParaRPr lang="en-US" altLang="zh-CN"/>
           </a:p>
@@ -36660,1391 +38619,6 @@
   <p:clrMapOvr>
     <a:masterClrMapping/>
   </p:clrMapOvr>
-</p:sld>
-</file>
-
-<file path=ppt/slides/slide9.xml><?xml version="1.0" encoding="utf-8"?>
-<p:sld xmlns:a="http://schemas.openxmlformats.org/drawingml/2006/main" xmlns:r="http://schemas.openxmlformats.org/officeDocument/2006/relationships" xmlns:p="http://schemas.openxmlformats.org/presentationml/2006/main">
-  <p:cSld>
-    <p:spTree>
-      <p:nvGrpSpPr>
-        <p:cNvPr id="1" name=""/>
-        <p:cNvGrpSpPr/>
-        <p:nvPr/>
-      </p:nvGrpSpPr>
-      <p:grpSpPr>
-        <a:xfrm>
-          <a:off x="0" y="0"/>
-          <a:ext cx="0" cy="0"/>
-          <a:chOff x="0" y="0"/>
-          <a:chExt cx="0" cy="0"/>
-        </a:xfrm>
-      </p:grpSpPr>
-      <p:sp>
-        <p:nvSpPr>
-          <p:cNvPr id="2" name="标题 1">
-            <a:extLst>
-              <a:ext uri="{FF2B5EF4-FFF2-40B4-BE49-F238E27FC236}">
-                <a16:creationId xmlns:a16="http://schemas.microsoft.com/office/drawing/2014/main" id="{1840D389-9D00-416A-9A7B-5681C43EAE07}"/>
-              </a:ext>
-            </a:extLst>
-          </p:cNvPr>
-          <p:cNvSpPr>
-            <a:spLocks noGrp="1"/>
-          </p:cNvSpPr>
-          <p:nvPr>
-            <p:ph type="title"/>
-          </p:nvPr>
-        </p:nvSpPr>
-        <p:spPr>
-          <a:xfrm>
-            <a:off x="-468560" y="-441761"/>
-            <a:ext cx="7067128" cy="1243568"/>
-          </a:xfrm>
-        </p:spPr>
-        <p:txBody>
-          <a:bodyPr/>
-          <a:lstStyle/>
-          <a:p>
-            <a:r>
-              <a:rPr lang="en-US" altLang="zh-CN" sz="4000" dirty="0"/>
-              <a:t>An Example</a:t>
-            </a:r>
-            <a:endParaRPr lang="zh-CN" altLang="en-US" sz="4000" dirty="0"/>
-          </a:p>
-        </p:txBody>
-      </p:sp>
-      <p:sp>
-        <p:nvSpPr>
-          <p:cNvPr id="3" name="内容占位符 2">
-            <a:extLst>
-              <a:ext uri="{FF2B5EF4-FFF2-40B4-BE49-F238E27FC236}">
-                <a16:creationId xmlns:a16="http://schemas.microsoft.com/office/drawing/2014/main" id="{F147DF4B-5045-4509-839C-072284E296EA}"/>
-              </a:ext>
-            </a:extLst>
-          </p:cNvPr>
-          <p:cNvSpPr>
-            <a:spLocks noGrp="1"/>
-          </p:cNvSpPr>
-          <p:nvPr>
-            <p:ph idx="1"/>
-          </p:nvPr>
-        </p:nvSpPr>
-        <p:spPr>
-          <a:xfrm>
-            <a:off x="381962" y="1132174"/>
-            <a:ext cx="5050695" cy="4525963"/>
-          </a:xfrm>
-        </p:spPr>
-        <p:txBody>
-          <a:bodyPr>
-            <a:normAutofit fontScale="92500" lnSpcReduction="20000"/>
-          </a:bodyPr>
-          <a:lstStyle/>
-          <a:p>
-            <a:pPr marL="0" indent="0">
-              <a:buNone/>
-            </a:pPr>
-            <a:r>
-              <a:rPr lang="en-US" altLang="zh-CN" dirty="0"/>
-              <a:t>int main(int argc, char *</a:t>
-            </a:r>
-            <a:r>
-              <a:rPr lang="en-US" altLang="zh-CN" dirty="0" err="1"/>
-              <a:t>argv</a:t>
-            </a:r>
-            <a:r>
-              <a:rPr lang="en-US" altLang="zh-CN" dirty="0"/>
-              <a:t>[]) {</a:t>
-            </a:r>
-          </a:p>
-          <a:p>
-            <a:pPr marL="0" indent="0">
-              <a:buNone/>
-            </a:pPr>
-            <a:r>
-              <a:rPr lang="en-US" altLang="zh-CN" dirty="0"/>
-              <a:t>  int </a:t>
-            </a:r>
-            <a:r>
-              <a:rPr lang="en-US" altLang="zh-CN" dirty="0" err="1"/>
-              <a:t>allow_login</a:t>
-            </a:r>
-            <a:r>
-              <a:rPr lang="en-US" altLang="zh-CN" dirty="0"/>
-              <a:t> = 0;</a:t>
-            </a:r>
-          </a:p>
-          <a:p>
-            <a:pPr marL="0" indent="0">
-              <a:buNone/>
-            </a:pPr>
-            <a:r>
-              <a:rPr lang="en-US" altLang="zh-CN" dirty="0"/>
-              <a:t>  char </a:t>
-            </a:r>
-            <a:r>
-              <a:rPr lang="en-US" altLang="zh-CN" dirty="0" err="1"/>
-              <a:t>pwdstr</a:t>
-            </a:r>
-            <a:r>
-              <a:rPr lang="en-US" altLang="zh-CN" dirty="0"/>
-              <a:t>[12];</a:t>
-            </a:r>
-          </a:p>
-          <a:p>
-            <a:pPr marL="0" indent="0">
-              <a:buNone/>
-            </a:pPr>
-            <a:r>
-              <a:rPr lang="en-US" altLang="zh-CN" dirty="0"/>
-              <a:t>  char </a:t>
-            </a:r>
-            <a:r>
-              <a:rPr lang="en-US" altLang="zh-CN" dirty="0" err="1"/>
-              <a:t>targetpwd</a:t>
-            </a:r>
-            <a:r>
-              <a:rPr lang="en-US" altLang="zh-CN" dirty="0"/>
-              <a:t>[12]=“MyPwd123”;</a:t>
-            </a:r>
-          </a:p>
-          <a:p>
-            <a:pPr marL="0" indent="0">
-              <a:buNone/>
-            </a:pPr>
-            <a:r>
-              <a:rPr lang="en-US" altLang="zh-CN" dirty="0"/>
-              <a:t>  gets(</a:t>
-            </a:r>
-            <a:r>
-              <a:rPr lang="en-US" altLang="zh-CN" dirty="0" err="1"/>
-              <a:t>pwdstr</a:t>
-            </a:r>
-            <a:r>
-              <a:rPr lang="en-US" altLang="zh-CN" dirty="0"/>
-              <a:t>);</a:t>
-            </a:r>
-            <a:r>
-              <a:rPr lang="en-US" altLang="zh-CN" b="1" dirty="0"/>
-              <a:t>//No bounds check!</a:t>
-            </a:r>
-            <a:r>
-              <a:rPr lang="en-US" altLang="zh-CN" dirty="0"/>
-              <a:t> </a:t>
-            </a:r>
-          </a:p>
-          <a:p>
-            <a:pPr marL="0" indent="0">
-              <a:buNone/>
-            </a:pPr>
-            <a:r>
-              <a:rPr lang="en-US" altLang="zh-CN" dirty="0"/>
-              <a:t>  if(</a:t>
-            </a:r>
-            <a:r>
-              <a:rPr lang="en-US" altLang="zh-CN" dirty="0" err="1"/>
-              <a:t>strncmp</a:t>
-            </a:r>
-            <a:r>
-              <a:rPr lang="en-US" altLang="zh-CN" dirty="0"/>
-              <a:t>(</a:t>
-            </a:r>
-            <a:r>
-              <a:rPr lang="en-US" altLang="zh-CN" dirty="0" err="1"/>
-              <a:t>pwdstr</a:t>
-            </a:r>
-            <a:r>
-              <a:rPr lang="en-US" altLang="zh-CN" dirty="0"/>
-              <a:t>, </a:t>
-            </a:r>
-            <a:r>
-              <a:rPr lang="en-US" altLang="zh-CN" dirty="0" err="1"/>
-              <a:t>targetpwd</a:t>
-            </a:r>
-            <a:r>
-              <a:rPr lang="en-US" altLang="zh-CN" dirty="0"/>
-              <a:t>, 12) ==0)</a:t>
-            </a:r>
-          </a:p>
-          <a:p>
-            <a:pPr marL="0" indent="0">
-              <a:buNone/>
-            </a:pPr>
-            <a:r>
-              <a:rPr lang="en-US" altLang="zh-CN" dirty="0"/>
-              <a:t>    </a:t>
-            </a:r>
-            <a:r>
-              <a:rPr lang="en-US" altLang="zh-CN" dirty="0" err="1"/>
-              <a:t>allow_login</a:t>
-            </a:r>
-            <a:r>
-              <a:rPr lang="en-US" altLang="zh-CN" dirty="0"/>
-              <a:t> = 1;</a:t>
-            </a:r>
-          </a:p>
-          <a:p>
-            <a:pPr marL="0" indent="0">
-              <a:buNone/>
-            </a:pPr>
-            <a:r>
-              <a:rPr lang="en-US" altLang="zh-CN" dirty="0"/>
-              <a:t>  if (</a:t>
-            </a:r>
-            <a:r>
-              <a:rPr lang="en-US" altLang="zh-CN" dirty="0" err="1"/>
-              <a:t>allow_login</a:t>
-            </a:r>
-            <a:r>
-              <a:rPr lang="en-US" altLang="zh-CN" dirty="0"/>
-              <a:t> = 0)</a:t>
-            </a:r>
-          </a:p>
-          <a:p>
-            <a:pPr marL="0" indent="0">
-              <a:buNone/>
-            </a:pPr>
-            <a:r>
-              <a:rPr lang="en-US" altLang="zh-CN" dirty="0"/>
-              <a:t>    </a:t>
-            </a:r>
-            <a:r>
-              <a:rPr lang="en-US" altLang="zh-CN" dirty="0" err="1"/>
-              <a:t>printf</a:t>
-            </a:r>
-            <a:r>
-              <a:rPr lang="en-US" altLang="zh-CN" dirty="0"/>
-              <a:t>(“Login request rejected”);</a:t>
-            </a:r>
-          </a:p>
-          <a:p>
-            <a:pPr marL="0" indent="0">
-              <a:buNone/>
-            </a:pPr>
-            <a:r>
-              <a:rPr lang="en-US" altLang="zh-CN" dirty="0"/>
-              <a:t>  else</a:t>
-            </a:r>
-          </a:p>
-          <a:p>
-            <a:pPr marL="0" indent="0">
-              <a:buNone/>
-            </a:pPr>
-            <a:r>
-              <a:rPr lang="en-US" altLang="zh-CN" dirty="0"/>
-              <a:t>    </a:t>
-            </a:r>
-            <a:r>
-              <a:rPr lang="en-US" altLang="zh-CN" dirty="0" err="1"/>
-              <a:t>printf</a:t>
-            </a:r>
-            <a:r>
-              <a:rPr lang="en-US" altLang="zh-CN" dirty="0"/>
-              <a:t>(“Login request allowed”);</a:t>
-            </a:r>
-          </a:p>
-          <a:p>
-            <a:pPr marL="0" indent="0">
-              <a:buNone/>
-            </a:pPr>
-            <a:r>
-              <a:rPr lang="en-US" altLang="zh-CN" dirty="0"/>
-              <a:t>}</a:t>
-            </a:r>
-            <a:endParaRPr lang="zh-CN" altLang="en-US" dirty="0"/>
-          </a:p>
-        </p:txBody>
-      </p:sp>
-      <p:sp>
-        <p:nvSpPr>
-          <p:cNvPr id="4" name="灯片编号占位符 3">
-            <a:extLst>
-              <a:ext uri="{FF2B5EF4-FFF2-40B4-BE49-F238E27FC236}">
-                <a16:creationId xmlns:a16="http://schemas.microsoft.com/office/drawing/2014/main" id="{047EE5BE-D666-4199-B1B0-5BC41F45EDD9}"/>
-              </a:ext>
-            </a:extLst>
-          </p:cNvPr>
-          <p:cNvSpPr>
-            <a:spLocks noGrp="1"/>
-          </p:cNvSpPr>
-          <p:nvPr>
-            <p:ph type="sldNum" sz="quarter" idx="12"/>
-          </p:nvPr>
-        </p:nvSpPr>
-        <p:spPr/>
-        <p:txBody>
-          <a:bodyPr/>
-          <a:lstStyle/>
-          <a:p>
-            <a:fld id="{5F36C9FC-DA22-1F47-8722-58727A1D436E}" type="slidenum">
-              <a:rPr lang="en-US" smtClean="0">
-                <a:solidFill>
-                  <a:prstClr val="white">
-                    <a:lumMod val="65000"/>
-                    <a:lumOff val="35000"/>
-                  </a:prstClr>
-                </a:solidFill>
-              </a:rPr>
-              <a:pPr/>
-              <a:t>9</a:t>
-            </a:fld>
-            <a:endParaRPr lang="en-US" dirty="0">
-              <a:solidFill>
-                <a:prstClr val="white">
-                  <a:lumMod val="65000"/>
-                  <a:lumOff val="35000"/>
-                </a:prstClr>
-              </a:solidFill>
-            </a:endParaRPr>
-          </a:p>
-        </p:txBody>
-      </p:sp>
-      <p:graphicFrame>
-        <p:nvGraphicFramePr>
-          <p:cNvPr id="5" name="表格 4">
-            <a:extLst>
-              <a:ext uri="{FF2B5EF4-FFF2-40B4-BE49-F238E27FC236}">
-                <a16:creationId xmlns:a16="http://schemas.microsoft.com/office/drawing/2014/main" id="{BF4579F8-2BE2-4B5C-9D64-C298E472396B}"/>
-              </a:ext>
-            </a:extLst>
-          </p:cNvPr>
-          <p:cNvGraphicFramePr>
-            <a:graphicFrameLocks noGrp="1"/>
-          </p:cNvGraphicFramePr>
-          <p:nvPr>
-            <p:extLst>
-              <p:ext uri="{D42A27DB-BD31-4B8C-83A1-F6EECF244321}">
-                <p14:modId xmlns:p14="http://schemas.microsoft.com/office/powerpoint/2010/main" val="1383287525"/>
-              </p:ext>
-            </p:extLst>
-          </p:nvPr>
-        </p:nvGraphicFramePr>
-        <p:xfrm>
-          <a:off x="6313268" y="1330864"/>
-          <a:ext cx="1512168" cy="3708400"/>
-        </p:xfrm>
-        <a:graphic>
-          <a:graphicData uri="http://schemas.openxmlformats.org/drawingml/2006/table">
-            <a:tbl>
-              <a:tblPr firstRow="1" bandRow="1">
-                <a:tableStyleId>{5940675A-B579-460E-94D1-54222C63F5DA}</a:tableStyleId>
-              </a:tblPr>
-              <a:tblGrid>
-                <a:gridCol w="1512168">
-                  <a:extLst>
-                    <a:ext uri="{9D8B030D-6E8A-4147-A177-3AD203B41FA5}">
-                      <a16:colId xmlns:a16="http://schemas.microsoft.com/office/drawing/2014/main" val="3205406346"/>
-                    </a:ext>
-                  </a:extLst>
-                </a:gridCol>
-              </a:tblGrid>
-              <a:tr h="370840">
-                <a:tc>
-                  <a:txBody>
-                    <a:bodyPr/>
-                    <a:lstStyle/>
-                    <a:p>
-                      <a:endParaRPr lang="zh-CN" altLang="en-US" b="0" dirty="0"/>
-                    </a:p>
-                  </a:txBody>
-                  <a:tcPr/>
-                </a:tc>
-                <a:extLst>
-                  <a:ext uri="{0D108BD9-81ED-4DB2-BD59-A6C34878D82A}">
-                    <a16:rowId xmlns:a16="http://schemas.microsoft.com/office/drawing/2014/main" val="4103921419"/>
-                  </a:ext>
-                </a:extLst>
-              </a:tr>
-              <a:tr h="370840">
-                <a:tc>
-                  <a:txBody>
-                    <a:bodyPr/>
-                    <a:lstStyle/>
-                    <a:p>
-                      <a:endParaRPr lang="zh-CN" altLang="en-US" b="0" dirty="0"/>
-                    </a:p>
-                  </a:txBody>
-                  <a:tcPr/>
-                </a:tc>
-                <a:extLst>
-                  <a:ext uri="{0D108BD9-81ED-4DB2-BD59-A6C34878D82A}">
-                    <a16:rowId xmlns:a16="http://schemas.microsoft.com/office/drawing/2014/main" val="35154256"/>
-                  </a:ext>
-                </a:extLst>
-              </a:tr>
-              <a:tr h="370840">
-                <a:tc>
-                  <a:txBody>
-                    <a:bodyPr/>
-                    <a:lstStyle/>
-                    <a:p>
-                      <a:endParaRPr lang="zh-CN" altLang="en-US" b="0" dirty="0"/>
-                    </a:p>
-                  </a:txBody>
-                  <a:tcPr/>
-                </a:tc>
-                <a:extLst>
-                  <a:ext uri="{0D108BD9-81ED-4DB2-BD59-A6C34878D82A}">
-                    <a16:rowId xmlns:a16="http://schemas.microsoft.com/office/drawing/2014/main" val="1181923747"/>
-                  </a:ext>
-                </a:extLst>
-              </a:tr>
-              <a:tr h="370840">
-                <a:tc>
-                  <a:txBody>
-                    <a:bodyPr/>
-                    <a:lstStyle/>
-                    <a:p>
-                      <a:endParaRPr lang="zh-CN" altLang="en-US" b="0" dirty="0"/>
-                    </a:p>
-                  </a:txBody>
-                  <a:tcPr/>
-                </a:tc>
-                <a:extLst>
-                  <a:ext uri="{0D108BD9-81ED-4DB2-BD59-A6C34878D82A}">
-                    <a16:rowId xmlns:a16="http://schemas.microsoft.com/office/drawing/2014/main" val="589870786"/>
-                  </a:ext>
-                </a:extLst>
-              </a:tr>
-              <a:tr h="370840">
-                <a:tc>
-                  <a:txBody>
-                    <a:bodyPr/>
-                    <a:lstStyle/>
-                    <a:p>
-                      <a:endParaRPr lang="zh-CN" altLang="en-US" b="0" dirty="0"/>
-                    </a:p>
-                  </a:txBody>
-                  <a:tcPr/>
-                </a:tc>
-                <a:extLst>
-                  <a:ext uri="{0D108BD9-81ED-4DB2-BD59-A6C34878D82A}">
-                    <a16:rowId xmlns:a16="http://schemas.microsoft.com/office/drawing/2014/main" val="3150361087"/>
-                  </a:ext>
-                </a:extLst>
-              </a:tr>
-              <a:tr h="370840">
-                <a:tc>
-                  <a:txBody>
-                    <a:bodyPr/>
-                    <a:lstStyle/>
-                    <a:p>
-                      <a:endParaRPr lang="zh-CN" altLang="en-US" b="0" dirty="0"/>
-                    </a:p>
-                  </a:txBody>
-                  <a:tcPr/>
-                </a:tc>
-                <a:extLst>
-                  <a:ext uri="{0D108BD9-81ED-4DB2-BD59-A6C34878D82A}">
-                    <a16:rowId xmlns:a16="http://schemas.microsoft.com/office/drawing/2014/main" val="182011134"/>
-                  </a:ext>
-                </a:extLst>
-              </a:tr>
-              <a:tr h="370840">
-                <a:tc>
-                  <a:txBody>
-                    <a:bodyPr/>
-                    <a:lstStyle/>
-                    <a:p>
-                      <a:endParaRPr lang="zh-CN" altLang="en-US" b="0" dirty="0"/>
-                    </a:p>
-                  </a:txBody>
-                  <a:tcPr/>
-                </a:tc>
-                <a:extLst>
-                  <a:ext uri="{0D108BD9-81ED-4DB2-BD59-A6C34878D82A}">
-                    <a16:rowId xmlns:a16="http://schemas.microsoft.com/office/drawing/2014/main" val="1753684760"/>
-                  </a:ext>
-                </a:extLst>
-              </a:tr>
-              <a:tr h="370840">
-                <a:tc>
-                  <a:txBody>
-                    <a:bodyPr/>
-                    <a:lstStyle/>
-                    <a:p>
-                      <a:endParaRPr lang="zh-CN" altLang="en-US" b="0" dirty="0"/>
-                    </a:p>
-                  </a:txBody>
-                  <a:tcPr/>
-                </a:tc>
-                <a:extLst>
-                  <a:ext uri="{0D108BD9-81ED-4DB2-BD59-A6C34878D82A}">
-                    <a16:rowId xmlns:a16="http://schemas.microsoft.com/office/drawing/2014/main" val="2029128889"/>
-                  </a:ext>
-                </a:extLst>
-              </a:tr>
-              <a:tr h="370840">
-                <a:tc>
-                  <a:txBody>
-                    <a:bodyPr/>
-                    <a:lstStyle/>
-                    <a:p>
-                      <a:pPr marL="0" marR="0" lvl="0" indent="0" algn="l" defTabSz="914400" rtl="0" eaLnBrk="1" fontAlgn="auto" latinLnBrk="0" hangingPunct="1">
-                        <a:lnSpc>
-                          <a:spcPct val="100000"/>
-                        </a:lnSpc>
-                        <a:spcBef>
-                          <a:spcPts val="0"/>
-                        </a:spcBef>
-                        <a:spcAft>
-                          <a:spcPts val="0"/>
-                        </a:spcAft>
-                        <a:buClrTx/>
-                        <a:buSzTx/>
-                        <a:buFontTx/>
-                        <a:buNone/>
-                        <a:tabLst/>
-                        <a:defRPr/>
-                      </a:pPr>
-                      <a:endParaRPr lang="zh-CN" altLang="en-US" b="0" dirty="0"/>
-                    </a:p>
-                  </a:txBody>
-                  <a:tcPr/>
-                </a:tc>
-                <a:extLst>
-                  <a:ext uri="{0D108BD9-81ED-4DB2-BD59-A6C34878D82A}">
-                    <a16:rowId xmlns:a16="http://schemas.microsoft.com/office/drawing/2014/main" val="3626492980"/>
-                  </a:ext>
-                </a:extLst>
-              </a:tr>
-              <a:tr h="370840">
-                <a:tc>
-                  <a:txBody>
-                    <a:bodyPr/>
-                    <a:lstStyle/>
-                    <a:p>
-                      <a:pPr marL="0" marR="0" lvl="0" indent="0" algn="l" defTabSz="914400" rtl="0" eaLnBrk="1" fontAlgn="auto" latinLnBrk="0" hangingPunct="1">
-                        <a:lnSpc>
-                          <a:spcPct val="100000"/>
-                        </a:lnSpc>
-                        <a:spcBef>
-                          <a:spcPts val="0"/>
-                        </a:spcBef>
-                        <a:spcAft>
-                          <a:spcPts val="0"/>
-                        </a:spcAft>
-                        <a:buClrTx/>
-                        <a:buSzTx/>
-                        <a:buFontTx/>
-                        <a:buNone/>
-                        <a:tabLst/>
-                        <a:defRPr/>
-                      </a:pPr>
-                      <a:endParaRPr lang="zh-CN" altLang="en-US" b="0" dirty="0"/>
-                    </a:p>
-                  </a:txBody>
-                  <a:tcPr/>
-                </a:tc>
-                <a:extLst>
-                  <a:ext uri="{0D108BD9-81ED-4DB2-BD59-A6C34878D82A}">
-                    <a16:rowId xmlns:a16="http://schemas.microsoft.com/office/drawing/2014/main" val="2993157849"/>
-                  </a:ext>
-                </a:extLst>
-              </a:tr>
-            </a:tbl>
-          </a:graphicData>
-        </a:graphic>
-      </p:graphicFrame>
-      <p:sp>
-        <p:nvSpPr>
-          <p:cNvPr id="8" name="矩形 7">
-            <a:extLst>
-              <a:ext uri="{FF2B5EF4-FFF2-40B4-BE49-F238E27FC236}">
-                <a16:creationId xmlns:a16="http://schemas.microsoft.com/office/drawing/2014/main" id="{4BC06BA3-90DD-4FF8-AC58-FFB0EF525A02}"/>
-              </a:ext>
-            </a:extLst>
-          </p:cNvPr>
-          <p:cNvSpPr/>
-          <p:nvPr/>
-        </p:nvSpPr>
-        <p:spPr>
-          <a:xfrm>
-            <a:off x="7795595" y="1301401"/>
-            <a:ext cx="633507" cy="369332"/>
-          </a:xfrm>
-          <a:prstGeom prst="rect">
-            <a:avLst/>
-          </a:prstGeom>
-        </p:spPr>
-        <p:txBody>
-          <a:bodyPr wrap="none">
-            <a:spAutoFit/>
-          </a:bodyPr>
-          <a:lstStyle/>
-          <a:p>
-            <a:r>
-              <a:rPr lang="en-US" altLang="zh-CN" dirty="0"/>
-              <a:t>argc</a:t>
-            </a:r>
-            <a:endParaRPr lang="zh-CN" altLang="en-US" dirty="0"/>
-          </a:p>
-        </p:txBody>
-      </p:sp>
-      <p:sp>
-        <p:nvSpPr>
-          <p:cNvPr id="9" name="矩形 8">
-            <a:extLst>
-              <a:ext uri="{FF2B5EF4-FFF2-40B4-BE49-F238E27FC236}">
-                <a16:creationId xmlns:a16="http://schemas.microsoft.com/office/drawing/2014/main" id="{D59907BF-D389-4DB0-A0C8-BD9C23DBB9DC}"/>
-              </a:ext>
-            </a:extLst>
-          </p:cNvPr>
-          <p:cNvSpPr/>
-          <p:nvPr/>
-        </p:nvSpPr>
-        <p:spPr>
-          <a:xfrm>
-            <a:off x="7795595" y="1688280"/>
-            <a:ext cx="633507" cy="369332"/>
-          </a:xfrm>
-          <a:prstGeom prst="rect">
-            <a:avLst/>
-          </a:prstGeom>
-        </p:spPr>
-        <p:txBody>
-          <a:bodyPr wrap="none">
-            <a:spAutoFit/>
-          </a:bodyPr>
-          <a:lstStyle/>
-          <a:p>
-            <a:r>
-              <a:rPr lang="en-US" altLang="zh-CN" dirty="0" err="1"/>
-              <a:t>argv</a:t>
-            </a:r>
-            <a:endParaRPr lang="zh-CN" altLang="en-US" dirty="0"/>
-          </a:p>
-        </p:txBody>
-      </p:sp>
-      <p:sp>
-        <p:nvSpPr>
-          <p:cNvPr id="10" name="矩形 9">
-            <a:extLst>
-              <a:ext uri="{FF2B5EF4-FFF2-40B4-BE49-F238E27FC236}">
-                <a16:creationId xmlns:a16="http://schemas.microsoft.com/office/drawing/2014/main" id="{FF26BFF1-3C94-487E-BF76-92843A64E634}"/>
-              </a:ext>
-            </a:extLst>
-          </p:cNvPr>
-          <p:cNvSpPr/>
-          <p:nvPr/>
-        </p:nvSpPr>
-        <p:spPr>
-          <a:xfrm>
-            <a:off x="7795595" y="2049735"/>
-            <a:ext cx="1036833" cy="369332"/>
-          </a:xfrm>
-          <a:prstGeom prst="rect">
-            <a:avLst/>
-          </a:prstGeom>
-        </p:spPr>
-        <p:txBody>
-          <a:bodyPr wrap="square">
-            <a:spAutoFit/>
-          </a:bodyPr>
-          <a:lstStyle/>
-          <a:p>
-            <a:r>
-              <a:rPr lang="en-US" altLang="zh-CN" dirty="0"/>
-              <a:t>ret. add.</a:t>
-            </a:r>
-            <a:endParaRPr lang="zh-CN" altLang="en-US" dirty="0"/>
-          </a:p>
-        </p:txBody>
-      </p:sp>
-      <p:sp>
-        <p:nvSpPr>
-          <p:cNvPr id="11" name="矩形 10">
-            <a:extLst>
-              <a:ext uri="{FF2B5EF4-FFF2-40B4-BE49-F238E27FC236}">
-                <a16:creationId xmlns:a16="http://schemas.microsoft.com/office/drawing/2014/main" id="{5D211D13-2E0C-48EE-8D30-60BE79BBF186}"/>
-              </a:ext>
-            </a:extLst>
-          </p:cNvPr>
-          <p:cNvSpPr/>
-          <p:nvPr/>
-        </p:nvSpPr>
-        <p:spPr>
-          <a:xfrm>
-            <a:off x="7795595" y="2468229"/>
-            <a:ext cx="1326004" cy="369332"/>
-          </a:xfrm>
-          <a:prstGeom prst="rect">
-            <a:avLst/>
-          </a:prstGeom>
-        </p:spPr>
-        <p:txBody>
-          <a:bodyPr wrap="none">
-            <a:spAutoFit/>
-          </a:bodyPr>
-          <a:lstStyle/>
-          <a:p>
-            <a:r>
-              <a:rPr lang="en-US" altLang="zh-CN" dirty="0" err="1"/>
-              <a:t>allow_login</a:t>
-            </a:r>
-            <a:endParaRPr lang="zh-CN" altLang="en-US" dirty="0"/>
-          </a:p>
-        </p:txBody>
-      </p:sp>
-      <p:sp>
-        <p:nvSpPr>
-          <p:cNvPr id="12" name="矩形 11">
-            <a:extLst>
-              <a:ext uri="{FF2B5EF4-FFF2-40B4-BE49-F238E27FC236}">
-                <a16:creationId xmlns:a16="http://schemas.microsoft.com/office/drawing/2014/main" id="{22684CBC-FF03-423D-8760-112BC0CA8F68}"/>
-              </a:ext>
-            </a:extLst>
-          </p:cNvPr>
-          <p:cNvSpPr/>
-          <p:nvPr/>
-        </p:nvSpPr>
-        <p:spPr>
-          <a:xfrm>
-            <a:off x="7997584" y="3226066"/>
-            <a:ext cx="864339" cy="369332"/>
-          </a:xfrm>
-          <a:prstGeom prst="rect">
-            <a:avLst/>
-          </a:prstGeom>
-        </p:spPr>
-        <p:txBody>
-          <a:bodyPr wrap="none">
-            <a:spAutoFit/>
-          </a:bodyPr>
-          <a:lstStyle/>
-          <a:p>
-            <a:r>
-              <a:rPr lang="en-US" altLang="zh-CN" dirty="0" err="1"/>
-              <a:t>pwdstr</a:t>
-            </a:r>
-            <a:endParaRPr lang="zh-CN" altLang="en-US" dirty="0"/>
-          </a:p>
-        </p:txBody>
-      </p:sp>
-      <p:cxnSp>
-        <p:nvCxnSpPr>
-          <p:cNvPr id="14" name="直接箭头连接符 13">
-            <a:extLst>
-              <a:ext uri="{FF2B5EF4-FFF2-40B4-BE49-F238E27FC236}">
-                <a16:creationId xmlns:a16="http://schemas.microsoft.com/office/drawing/2014/main" id="{5AB9C311-16E5-4E1E-B427-5FB44380D9CB}"/>
-              </a:ext>
-            </a:extLst>
-          </p:cNvPr>
-          <p:cNvCxnSpPr>
-            <a:cxnSpLocks/>
-          </p:cNvCxnSpPr>
-          <p:nvPr/>
-        </p:nvCxnSpPr>
-        <p:spPr>
-          <a:xfrm flipH="1" flipV="1">
-            <a:off x="7897446" y="2992522"/>
-            <a:ext cx="396855" cy="281955"/>
-          </a:xfrm>
-          <a:prstGeom prst="straightConnector1">
-            <a:avLst/>
-          </a:prstGeom>
-          <a:ln w="19050">
-            <a:solidFill>
-              <a:schemeClr val="tx1"/>
-            </a:solidFill>
-            <a:tailEnd type="triangle"/>
-          </a:ln>
-        </p:spPr>
-        <p:style>
-          <a:lnRef idx="1">
-            <a:schemeClr val="accent1"/>
-          </a:lnRef>
-          <a:fillRef idx="0">
-            <a:schemeClr val="accent1"/>
-          </a:fillRef>
-          <a:effectRef idx="0">
-            <a:schemeClr val="accent1"/>
-          </a:effectRef>
-          <a:fontRef idx="minor">
-            <a:schemeClr val="tx1"/>
-          </a:fontRef>
-        </p:style>
-      </p:cxnSp>
-      <p:cxnSp>
-        <p:nvCxnSpPr>
-          <p:cNvPr id="16" name="直接箭头连接符 15">
-            <a:extLst>
-              <a:ext uri="{FF2B5EF4-FFF2-40B4-BE49-F238E27FC236}">
-                <a16:creationId xmlns:a16="http://schemas.microsoft.com/office/drawing/2014/main" id="{76D5D431-7BC5-44AB-ADFD-3830576CE53A}"/>
-              </a:ext>
-            </a:extLst>
-          </p:cNvPr>
-          <p:cNvCxnSpPr>
-            <a:cxnSpLocks/>
-          </p:cNvCxnSpPr>
-          <p:nvPr/>
-        </p:nvCxnSpPr>
-        <p:spPr>
-          <a:xfrm flipH="1">
-            <a:off x="7943588" y="3556432"/>
-            <a:ext cx="350716" cy="319598"/>
-          </a:xfrm>
-          <a:prstGeom prst="straightConnector1">
-            <a:avLst/>
-          </a:prstGeom>
-          <a:ln w="19050">
-            <a:solidFill>
-              <a:schemeClr val="tx1"/>
-            </a:solidFill>
-            <a:tailEnd type="triangle"/>
-          </a:ln>
-        </p:spPr>
-        <p:style>
-          <a:lnRef idx="1">
-            <a:schemeClr val="accent1"/>
-          </a:lnRef>
-          <a:fillRef idx="0">
-            <a:schemeClr val="accent1"/>
-          </a:fillRef>
-          <a:effectRef idx="0">
-            <a:schemeClr val="accent1"/>
-          </a:effectRef>
-          <a:fontRef idx="minor">
-            <a:schemeClr val="tx1"/>
-          </a:fontRef>
-        </p:style>
-      </p:cxnSp>
-      <p:sp>
-        <p:nvSpPr>
-          <p:cNvPr id="24" name="矩形 23">
-            <a:extLst>
-              <a:ext uri="{FF2B5EF4-FFF2-40B4-BE49-F238E27FC236}">
-                <a16:creationId xmlns:a16="http://schemas.microsoft.com/office/drawing/2014/main" id="{DA3DBFCB-CDD0-41E8-98D6-EED8CB2EB7BC}"/>
-              </a:ext>
-            </a:extLst>
-          </p:cNvPr>
-          <p:cNvSpPr/>
-          <p:nvPr/>
-        </p:nvSpPr>
-        <p:spPr>
-          <a:xfrm>
-            <a:off x="7902116" y="4247398"/>
-            <a:ext cx="1197764" cy="369332"/>
-          </a:xfrm>
-          <a:prstGeom prst="rect">
-            <a:avLst/>
-          </a:prstGeom>
-        </p:spPr>
-        <p:txBody>
-          <a:bodyPr wrap="none">
-            <a:spAutoFit/>
-          </a:bodyPr>
-          <a:lstStyle/>
-          <a:p>
-            <a:r>
-              <a:rPr lang="en-US" altLang="zh-CN" dirty="0" err="1"/>
-              <a:t>targetpwd</a:t>
-            </a:r>
-            <a:endParaRPr lang="zh-CN" altLang="en-US" dirty="0"/>
-          </a:p>
-        </p:txBody>
-      </p:sp>
-      <p:cxnSp>
-        <p:nvCxnSpPr>
-          <p:cNvPr id="27" name="直接箭头连接符 26">
-            <a:extLst>
-              <a:ext uri="{FF2B5EF4-FFF2-40B4-BE49-F238E27FC236}">
-                <a16:creationId xmlns:a16="http://schemas.microsoft.com/office/drawing/2014/main" id="{53A44B20-54EC-486A-8BB8-3588C1BDB03F}"/>
-              </a:ext>
-            </a:extLst>
-          </p:cNvPr>
-          <p:cNvCxnSpPr>
-            <a:cxnSpLocks/>
-          </p:cNvCxnSpPr>
-          <p:nvPr/>
-        </p:nvCxnSpPr>
-        <p:spPr>
-          <a:xfrm flipH="1" flipV="1">
-            <a:off x="7897445" y="4052819"/>
-            <a:ext cx="396856" cy="192543"/>
-          </a:xfrm>
-          <a:prstGeom prst="straightConnector1">
-            <a:avLst/>
-          </a:prstGeom>
-          <a:ln w="19050">
-            <a:solidFill>
-              <a:schemeClr val="tx1"/>
-            </a:solidFill>
-            <a:tailEnd type="triangle"/>
-          </a:ln>
-        </p:spPr>
-        <p:style>
-          <a:lnRef idx="1">
-            <a:schemeClr val="accent1"/>
-          </a:lnRef>
-          <a:fillRef idx="0">
-            <a:schemeClr val="accent1"/>
-          </a:fillRef>
-          <a:effectRef idx="0">
-            <a:schemeClr val="accent1"/>
-          </a:effectRef>
-          <a:fontRef idx="minor">
-            <a:schemeClr val="tx1"/>
-          </a:fontRef>
-        </p:style>
-      </p:cxnSp>
-      <p:cxnSp>
-        <p:nvCxnSpPr>
-          <p:cNvPr id="28" name="直接箭头连接符 27">
-            <a:extLst>
-              <a:ext uri="{FF2B5EF4-FFF2-40B4-BE49-F238E27FC236}">
-                <a16:creationId xmlns:a16="http://schemas.microsoft.com/office/drawing/2014/main" id="{FC5C5817-D2C0-49FB-9D96-113079392309}"/>
-              </a:ext>
-            </a:extLst>
-          </p:cNvPr>
-          <p:cNvCxnSpPr>
-            <a:cxnSpLocks/>
-          </p:cNvCxnSpPr>
-          <p:nvPr/>
-        </p:nvCxnSpPr>
-        <p:spPr>
-          <a:xfrm flipH="1">
-            <a:off x="7943587" y="4616730"/>
-            <a:ext cx="350716" cy="319598"/>
-          </a:xfrm>
-          <a:prstGeom prst="straightConnector1">
-            <a:avLst/>
-          </a:prstGeom>
-          <a:ln w="19050">
-            <a:solidFill>
-              <a:schemeClr val="tx1"/>
-            </a:solidFill>
-            <a:tailEnd type="triangle"/>
-          </a:ln>
-        </p:spPr>
-        <p:style>
-          <a:lnRef idx="1">
-            <a:schemeClr val="accent1"/>
-          </a:lnRef>
-          <a:fillRef idx="0">
-            <a:schemeClr val="accent1"/>
-          </a:fillRef>
-          <a:effectRef idx="0">
-            <a:schemeClr val="accent1"/>
-          </a:effectRef>
-          <a:fontRef idx="minor">
-            <a:schemeClr val="tx1"/>
-          </a:fontRef>
-        </p:style>
-      </p:cxnSp>
-      <p:sp>
-        <p:nvSpPr>
-          <p:cNvPr id="31" name="矩形 30">
-            <a:extLst>
-              <a:ext uri="{FF2B5EF4-FFF2-40B4-BE49-F238E27FC236}">
-                <a16:creationId xmlns:a16="http://schemas.microsoft.com/office/drawing/2014/main" id="{C99ECCD5-2393-4A51-AE86-EED838D1B152}"/>
-              </a:ext>
-            </a:extLst>
-          </p:cNvPr>
-          <p:cNvSpPr/>
-          <p:nvPr/>
-        </p:nvSpPr>
-        <p:spPr>
-          <a:xfrm>
-            <a:off x="5657319" y="1301401"/>
-            <a:ext cx="655949" cy="369332"/>
-          </a:xfrm>
-          <a:prstGeom prst="rect">
-            <a:avLst/>
-          </a:prstGeom>
-        </p:spPr>
-        <p:txBody>
-          <a:bodyPr wrap="none">
-            <a:spAutoFit/>
-          </a:bodyPr>
-          <a:lstStyle/>
-          <a:p>
-            <a:r>
-              <a:rPr lang="en-US" altLang="zh-CN" dirty="0" err="1"/>
-              <a:t>addr</a:t>
-            </a:r>
-            <a:endParaRPr lang="zh-CN" altLang="en-US" dirty="0"/>
-          </a:p>
-        </p:txBody>
-      </p:sp>
-      <p:sp>
-        <p:nvSpPr>
-          <p:cNvPr id="32" name="矩形 31">
-            <a:extLst>
-              <a:ext uri="{FF2B5EF4-FFF2-40B4-BE49-F238E27FC236}">
-                <a16:creationId xmlns:a16="http://schemas.microsoft.com/office/drawing/2014/main" id="{37012B91-7F80-4251-BC7D-0CD93EAF7068}"/>
-              </a:ext>
-            </a:extLst>
-          </p:cNvPr>
-          <p:cNvSpPr/>
-          <p:nvPr/>
-        </p:nvSpPr>
-        <p:spPr>
-          <a:xfrm>
-            <a:off x="5378397" y="1701228"/>
-            <a:ext cx="934871" cy="369332"/>
-          </a:xfrm>
-          <a:prstGeom prst="rect">
-            <a:avLst/>
-          </a:prstGeom>
-        </p:spPr>
-        <p:txBody>
-          <a:bodyPr wrap="none">
-            <a:spAutoFit/>
-          </a:bodyPr>
-          <a:lstStyle/>
-          <a:p>
-            <a:r>
-              <a:rPr lang="en-US" altLang="zh-CN" dirty="0"/>
-              <a:t>addr+4</a:t>
-            </a:r>
-            <a:endParaRPr lang="zh-CN" altLang="en-US" dirty="0"/>
-          </a:p>
-        </p:txBody>
-      </p:sp>
-      <p:sp>
-        <p:nvSpPr>
-          <p:cNvPr id="33" name="矩形 32">
-            <a:extLst>
-              <a:ext uri="{FF2B5EF4-FFF2-40B4-BE49-F238E27FC236}">
-                <a16:creationId xmlns:a16="http://schemas.microsoft.com/office/drawing/2014/main" id="{BCE7E7B9-2B85-4604-A148-1C34E80AB7E2}"/>
-              </a:ext>
-            </a:extLst>
-          </p:cNvPr>
-          <p:cNvSpPr/>
-          <p:nvPr/>
-        </p:nvSpPr>
-        <p:spPr>
-          <a:xfrm>
-            <a:off x="5378397" y="2096951"/>
-            <a:ext cx="934871" cy="369332"/>
-          </a:xfrm>
-          <a:prstGeom prst="rect">
-            <a:avLst/>
-          </a:prstGeom>
-        </p:spPr>
-        <p:txBody>
-          <a:bodyPr wrap="none">
-            <a:spAutoFit/>
-          </a:bodyPr>
-          <a:lstStyle/>
-          <a:p>
-            <a:r>
-              <a:rPr lang="en-US" altLang="zh-CN" dirty="0"/>
-              <a:t>addr+8</a:t>
-            </a:r>
-            <a:endParaRPr lang="zh-CN" altLang="en-US" dirty="0"/>
-          </a:p>
-        </p:txBody>
-      </p:sp>
-      <p:sp>
-        <p:nvSpPr>
-          <p:cNvPr id="34" name="矩形 33">
-            <a:extLst>
-              <a:ext uri="{FF2B5EF4-FFF2-40B4-BE49-F238E27FC236}">
-                <a16:creationId xmlns:a16="http://schemas.microsoft.com/office/drawing/2014/main" id="{0E4A09F2-D3E9-4CEF-9728-DDFA56444A30}"/>
-              </a:ext>
-            </a:extLst>
-          </p:cNvPr>
-          <p:cNvSpPr/>
-          <p:nvPr/>
-        </p:nvSpPr>
-        <p:spPr>
-          <a:xfrm>
-            <a:off x="755576" y="5369631"/>
-            <a:ext cx="7673526" cy="1408532"/>
-          </a:xfrm>
-          <a:prstGeom prst="rect">
-            <a:avLst/>
-          </a:prstGeom>
-        </p:spPr>
-        <p:style>
-          <a:lnRef idx="2">
-            <a:schemeClr val="accent1">
-              <a:shade val="50000"/>
-            </a:schemeClr>
-          </a:lnRef>
-          <a:fillRef idx="1">
-            <a:schemeClr val="accent1"/>
-          </a:fillRef>
-          <a:effectRef idx="0">
-            <a:schemeClr val="accent1"/>
-          </a:effectRef>
-          <a:fontRef idx="minor">
-            <a:schemeClr val="lt1"/>
-          </a:fontRef>
-        </p:style>
-        <p:txBody>
-          <a:bodyPr rtlCol="0" anchor="ctr"/>
-          <a:lstStyle/>
-          <a:p>
-            <a:pPr algn="just"/>
-            <a:r>
-              <a:rPr lang="en-US" altLang="zh-CN" dirty="0">
-                <a:solidFill>
-                  <a:schemeClr val="tx1">
-                    <a:lumMod val="50000"/>
-                    <a:lumOff val="50000"/>
-                  </a:schemeClr>
-                </a:solidFill>
-                <a:latin typeface="+mj-lt"/>
-              </a:rPr>
-              <a:t>An input larger than 12 Bytes will cause stack overflow in gets(</a:t>
-            </a:r>
-            <a:r>
-              <a:rPr lang="en-US" altLang="zh-CN" dirty="0" err="1">
-                <a:solidFill>
-                  <a:schemeClr val="tx1">
-                    <a:lumMod val="50000"/>
-                    <a:lumOff val="50000"/>
-                  </a:schemeClr>
-                </a:solidFill>
-                <a:latin typeface="+mj-lt"/>
-              </a:rPr>
-              <a:t>pwdstr</a:t>
-            </a:r>
-            <a:r>
-              <a:rPr lang="en-US" altLang="zh-CN" dirty="0">
-                <a:solidFill>
-                  <a:schemeClr val="tx1">
-                    <a:lumMod val="50000"/>
-                    <a:lumOff val="50000"/>
-                  </a:schemeClr>
-                </a:solidFill>
-                <a:latin typeface="+mj-lt"/>
-              </a:rPr>
-              <a:t>) and overwrite </a:t>
-            </a:r>
-            <a:r>
-              <a:rPr lang="en-US" altLang="zh-CN" dirty="0" err="1">
-                <a:solidFill>
-                  <a:schemeClr val="tx1">
-                    <a:lumMod val="50000"/>
-                    <a:lumOff val="50000"/>
-                  </a:schemeClr>
-                </a:solidFill>
-                <a:latin typeface="+mj-lt"/>
-              </a:rPr>
-              <a:t>allow_login</a:t>
-            </a:r>
-            <a:r>
-              <a:rPr lang="en-US" altLang="zh-CN" dirty="0">
-                <a:solidFill>
-                  <a:schemeClr val="tx1">
-                    <a:lumMod val="50000"/>
-                    <a:lumOff val="50000"/>
-                  </a:schemeClr>
-                </a:solidFill>
-                <a:latin typeface="+mj-lt"/>
-              </a:rPr>
-              <a:t> and/or return address. </a:t>
-            </a:r>
-          </a:p>
-          <a:p>
-            <a:pPr algn="just"/>
-            <a:r>
-              <a:rPr lang="en-US" altLang="zh-CN" dirty="0">
-                <a:solidFill>
-                  <a:schemeClr val="tx1">
-                    <a:lumMod val="50000"/>
-                    <a:lumOff val="50000"/>
-                  </a:schemeClr>
-                </a:solidFill>
-                <a:latin typeface="+mj-lt"/>
-              </a:rPr>
-              <a:t>If </a:t>
-            </a:r>
-            <a:r>
-              <a:rPr lang="en-US" altLang="zh-CN" dirty="0" err="1">
-                <a:solidFill>
-                  <a:schemeClr val="tx1">
-                    <a:lumMod val="50000"/>
-                    <a:lumOff val="50000"/>
-                  </a:schemeClr>
-                </a:solidFill>
-                <a:latin typeface="+mj-lt"/>
-              </a:rPr>
-              <a:t>allow_login</a:t>
-            </a:r>
-            <a:r>
-              <a:rPr lang="en-US" altLang="zh-CN" dirty="0">
-                <a:solidFill>
-                  <a:schemeClr val="tx1">
-                    <a:lumMod val="50000"/>
-                    <a:lumOff val="50000"/>
-                  </a:schemeClr>
-                </a:solidFill>
-                <a:latin typeface="+mj-lt"/>
-              </a:rPr>
-              <a:t> is overwritten to be 1, then login is successful.</a:t>
-            </a:r>
-          </a:p>
-          <a:p>
-            <a:pPr algn="just"/>
-            <a:r>
-              <a:rPr lang="en-US" altLang="zh-CN" dirty="0">
-                <a:solidFill>
-                  <a:schemeClr val="tx1">
-                    <a:lumMod val="50000"/>
-                    <a:lumOff val="50000"/>
-                  </a:schemeClr>
-                </a:solidFill>
-                <a:latin typeface="+mj-lt"/>
-              </a:rPr>
-              <a:t>If return address is overwritten to point to malicious code, then control flow jumps to it after main() finishes</a:t>
-            </a:r>
-            <a:endParaRPr lang="zh-CN" altLang="en-US" dirty="0">
-              <a:solidFill>
-                <a:schemeClr val="tx1">
-                  <a:lumMod val="50000"/>
-                  <a:lumOff val="50000"/>
-                </a:schemeClr>
-              </a:solidFill>
-              <a:latin typeface="+mj-lt"/>
-            </a:endParaRPr>
-          </a:p>
-        </p:txBody>
-      </p:sp>
-      <p:sp>
-        <p:nvSpPr>
-          <p:cNvPr id="37" name="文本框 36">
-            <a:extLst>
-              <a:ext uri="{FF2B5EF4-FFF2-40B4-BE49-F238E27FC236}">
-                <a16:creationId xmlns:a16="http://schemas.microsoft.com/office/drawing/2014/main" id="{2A602E18-C35A-4E74-90E4-D673B2FC0585}"/>
-              </a:ext>
-            </a:extLst>
-          </p:cNvPr>
-          <p:cNvSpPr txBox="1"/>
-          <p:nvPr/>
-        </p:nvSpPr>
-        <p:spPr>
-          <a:xfrm>
-            <a:off x="5729631" y="404664"/>
-            <a:ext cx="2649602" cy="923330"/>
-          </a:xfrm>
-          <a:prstGeom prst="rect">
-            <a:avLst/>
-          </a:prstGeom>
-          <a:noFill/>
-        </p:spPr>
-        <p:txBody>
-          <a:bodyPr wrap="square" rtlCol="0">
-            <a:spAutoFit/>
-          </a:bodyPr>
-          <a:lstStyle/>
-          <a:p>
-            <a:r>
-              <a:rPr lang="en-US" altLang="zh-CN" dirty="0"/>
-              <a:t>System stack (assuming a 32-bit CPU, so each word is 4 Bytes)</a:t>
-            </a:r>
-            <a:endParaRPr lang="zh-CN" altLang="en-US" dirty="0"/>
-          </a:p>
-        </p:txBody>
-      </p:sp>
-      <p:sp>
-        <p:nvSpPr>
-          <p:cNvPr id="38" name="箭头: 上下 37">
-            <a:extLst>
-              <a:ext uri="{FF2B5EF4-FFF2-40B4-BE49-F238E27FC236}">
-                <a16:creationId xmlns:a16="http://schemas.microsoft.com/office/drawing/2014/main" id="{3827E2D8-3A05-437D-8F5C-833A8615CB6D}"/>
-              </a:ext>
-            </a:extLst>
-          </p:cNvPr>
-          <p:cNvSpPr/>
-          <p:nvPr/>
-        </p:nvSpPr>
-        <p:spPr>
-          <a:xfrm>
-            <a:off x="6969216" y="2452251"/>
-            <a:ext cx="362095" cy="1465625"/>
-          </a:xfrm>
-          <a:prstGeom prst="upDownArrow">
-            <a:avLst/>
-          </a:prstGeom>
-        </p:spPr>
-        <p:style>
-          <a:lnRef idx="2">
-            <a:schemeClr val="accent1">
-              <a:shade val="50000"/>
-            </a:schemeClr>
-          </a:lnRef>
-          <a:fillRef idx="1">
-            <a:schemeClr val="accent1"/>
-          </a:fillRef>
-          <a:effectRef idx="0">
-            <a:schemeClr val="accent1"/>
-          </a:effectRef>
-          <a:fontRef idx="minor">
-            <a:schemeClr val="lt1"/>
-          </a:fontRef>
-        </p:style>
-        <p:txBody>
-          <a:bodyPr rtlCol="0" anchor="ctr"/>
-          <a:lstStyle/>
-          <a:p>
-            <a:pPr algn="ctr"/>
-            <a:endParaRPr lang="zh-CN" altLang="en-US"/>
-          </a:p>
-        </p:txBody>
-      </p:sp>
-      <p:sp>
-        <p:nvSpPr>
-          <p:cNvPr id="22" name="箭头: 上下 21">
-            <a:extLst>
-              <a:ext uri="{FF2B5EF4-FFF2-40B4-BE49-F238E27FC236}">
-                <a16:creationId xmlns:a16="http://schemas.microsoft.com/office/drawing/2014/main" id="{FC192E98-7C4D-48C4-BD14-A6E96BA09E64}"/>
-              </a:ext>
-            </a:extLst>
-          </p:cNvPr>
-          <p:cNvSpPr/>
-          <p:nvPr/>
-        </p:nvSpPr>
-        <p:spPr>
-          <a:xfrm>
-            <a:off x="6568784" y="2070561"/>
-            <a:ext cx="362095" cy="1847316"/>
-          </a:xfrm>
-          <a:prstGeom prst="upDownArrow">
-            <a:avLst/>
-          </a:prstGeom>
-        </p:spPr>
-        <p:style>
-          <a:lnRef idx="2">
-            <a:schemeClr val="accent1">
-              <a:shade val="50000"/>
-            </a:schemeClr>
-          </a:lnRef>
-          <a:fillRef idx="1">
-            <a:schemeClr val="accent1"/>
-          </a:fillRef>
-          <a:effectRef idx="0">
-            <a:schemeClr val="accent1"/>
-          </a:effectRef>
-          <a:fontRef idx="minor">
-            <a:schemeClr val="lt1"/>
-          </a:fontRef>
-        </p:style>
-        <p:txBody>
-          <a:bodyPr rtlCol="0" anchor="ctr"/>
-          <a:lstStyle/>
-          <a:p>
-            <a:pPr algn="ctr"/>
-            <a:endParaRPr lang="zh-CN" altLang="en-US"/>
-          </a:p>
-        </p:txBody>
-      </p:sp>
-    </p:spTree>
-    <p:extLst>
-      <p:ext uri="{BB962C8B-B14F-4D97-AF65-F5344CB8AC3E}">
-        <p14:creationId xmlns:p14="http://schemas.microsoft.com/office/powerpoint/2010/main" val="1695324056"/>
-      </p:ext>
-    </p:extLst>
-  </p:cSld>
-  <p:clrMapOvr>
-    <a:masterClrMapping/>
-  </p:clrMapOvr>
-  <p:transition spd="slow"/>
 </p:sld>
 </file>
 
